--- a/presentations/10-slide-pitch/initial-10-slide-pitch.pptx
+++ b/presentations/10-slide-pitch/initial-10-slide-pitch.pptx
@@ -426,12 +426,12 @@
         </c:dLbls>
         <c:gapWidth val="150"/>
         <c:shape val="box"/>
-        <c:axId val="2117576408"/>
-        <c:axId val="2117714568"/>
-        <c:axId val="2117389928"/>
+        <c:axId val="2087539176"/>
+        <c:axId val="2087544856"/>
+        <c:axId val="2087550312"/>
       </c:bar3DChart>
       <c:catAx>
-        <c:axId val="2117576408"/>
+        <c:axId val="2087539176"/>
         <c:scaling>
           <c:orientation val="minMax"/>
         </c:scaling>
@@ -471,7 +471,7 @@
             <a:endParaRPr lang="en-US"/>
           </a:p>
         </c:txPr>
-        <c:crossAx val="2117714568"/>
+        <c:crossAx val="2087544856"/>
         <c:crosses val="autoZero"/>
         <c:auto val="1"/>
         <c:lblAlgn val="ctr"/>
@@ -479,7 +479,7 @@
         <c:noMultiLvlLbl val="0"/>
       </c:catAx>
       <c:valAx>
-        <c:axId val="2117714568"/>
+        <c:axId val="2087544856"/>
         <c:scaling>
           <c:orientation val="minMax"/>
         </c:scaling>
@@ -519,12 +519,12 @@
             <a:endParaRPr lang="en-US"/>
           </a:p>
         </c:txPr>
-        <c:crossAx val="2117576408"/>
+        <c:crossAx val="2087539176"/>
         <c:crosses val="autoZero"/>
         <c:crossBetween val="between"/>
       </c:valAx>
       <c:serAx>
-        <c:axId val="2117389928"/>
+        <c:axId val="2087550312"/>
         <c:scaling>
           <c:orientation val="minMax"/>
         </c:scaling>
@@ -533,7 +533,7 @@
         <c:majorTickMark val="out"/>
         <c:minorTickMark val="none"/>
         <c:tickLblPos val="nextTo"/>
-        <c:crossAx val="2117714568"/>
+        <c:crossAx val="2087544856"/>
         <c:crosses val="autoZero"/>
       </c:serAx>
     </c:plotArea>
@@ -741,7 +741,7 @@
           <a:p>
             <a:fld id="{365CA2CA-CD65-4142-8343-1AFCEEA668AB}" type="datetimeFigureOut">
               <a:rPr lang="en-US" smtClean="0"/>
-              <a:t>3/5/13</a:t>
+              <a:t>4/1/13</a:t>
             </a:fld>
             <a:endParaRPr lang="en-US"/>
           </a:p>
@@ -906,7 +906,7 @@
           <a:p>
             <a:fld id="{365CA2CA-CD65-4142-8343-1AFCEEA668AB}" type="datetimeFigureOut">
               <a:rPr lang="en-US" smtClean="0"/>
-              <a:t>3/5/13</a:t>
+              <a:t>4/1/13</a:t>
             </a:fld>
             <a:endParaRPr lang="en-US"/>
           </a:p>
@@ -1081,7 +1081,7 @@
           <a:p>
             <a:fld id="{365CA2CA-CD65-4142-8343-1AFCEEA668AB}" type="datetimeFigureOut">
               <a:rPr lang="en-US" smtClean="0"/>
-              <a:t>3/5/13</a:t>
+              <a:t>4/1/13</a:t>
             </a:fld>
             <a:endParaRPr lang="en-US"/>
           </a:p>
@@ -1246,7 +1246,7 @@
           <a:p>
             <a:fld id="{365CA2CA-CD65-4142-8343-1AFCEEA668AB}" type="datetimeFigureOut">
               <a:rPr lang="en-US" smtClean="0"/>
-              <a:t>3/5/13</a:t>
+              <a:t>4/1/13</a:t>
             </a:fld>
             <a:endParaRPr lang="en-US"/>
           </a:p>
@@ -1487,7 +1487,7 @@
           <a:p>
             <a:fld id="{365CA2CA-CD65-4142-8343-1AFCEEA668AB}" type="datetimeFigureOut">
               <a:rPr lang="en-US" smtClean="0"/>
-              <a:t>3/5/13</a:t>
+              <a:t>4/1/13</a:t>
             </a:fld>
             <a:endParaRPr lang="en-US"/>
           </a:p>
@@ -1770,7 +1770,7 @@
           <a:p>
             <a:fld id="{365CA2CA-CD65-4142-8343-1AFCEEA668AB}" type="datetimeFigureOut">
               <a:rPr lang="en-US" smtClean="0"/>
-              <a:t>3/5/13</a:t>
+              <a:t>4/1/13</a:t>
             </a:fld>
             <a:endParaRPr lang="en-US"/>
           </a:p>
@@ -2187,7 +2187,7 @@
           <a:p>
             <a:fld id="{365CA2CA-CD65-4142-8343-1AFCEEA668AB}" type="datetimeFigureOut">
               <a:rPr lang="en-US" smtClean="0"/>
-              <a:t>3/5/13</a:t>
+              <a:t>4/1/13</a:t>
             </a:fld>
             <a:endParaRPr lang="en-US"/>
           </a:p>
@@ -2300,7 +2300,7 @@
           <a:p>
             <a:fld id="{365CA2CA-CD65-4142-8343-1AFCEEA668AB}" type="datetimeFigureOut">
               <a:rPr lang="en-US" smtClean="0"/>
-              <a:t>3/5/13</a:t>
+              <a:t>4/1/13</a:t>
             </a:fld>
             <a:endParaRPr lang="en-US"/>
           </a:p>
@@ -2390,7 +2390,7 @@
           <a:p>
             <a:fld id="{365CA2CA-CD65-4142-8343-1AFCEEA668AB}" type="datetimeFigureOut">
               <a:rPr lang="en-US" smtClean="0"/>
-              <a:t>3/5/13</a:t>
+              <a:t>4/1/13</a:t>
             </a:fld>
             <a:endParaRPr lang="en-US"/>
           </a:p>
@@ -2662,7 +2662,7 @@
           <a:p>
             <a:fld id="{365CA2CA-CD65-4142-8343-1AFCEEA668AB}" type="datetimeFigureOut">
               <a:rPr lang="en-US" smtClean="0"/>
-              <a:t>3/5/13</a:t>
+              <a:t>4/1/13</a:t>
             </a:fld>
             <a:endParaRPr lang="en-US"/>
           </a:p>
@@ -2910,7 +2910,7 @@
           <a:p>
             <a:fld id="{365CA2CA-CD65-4142-8343-1AFCEEA668AB}" type="datetimeFigureOut">
               <a:rPr lang="en-US" smtClean="0"/>
-              <a:t>3/5/13</a:t>
+              <a:t>4/1/13</a:t>
             </a:fld>
             <a:endParaRPr lang="en-US"/>
           </a:p>
@@ -3118,7 +3118,7 @@
           <a:p>
             <a:fld id="{365CA2CA-CD65-4142-8343-1AFCEEA668AB}" type="datetimeFigureOut">
               <a:rPr lang="en-US" smtClean="0"/>
-              <a:t>3/5/13</a:t>
+              <a:t>4/1/13</a:t>
             </a:fld>
             <a:endParaRPr lang="en-US"/>
           </a:p>
@@ -3521,7 +3521,12 @@
             <p:ph type="subTitle" idx="1"/>
           </p:nvPr>
         </p:nvSpPr>
-        <p:spPr/>
+        <p:spPr>
+          <a:xfrm>
+            <a:off x="1090705" y="3886200"/>
+            <a:ext cx="6980518" cy="1752600"/>
+          </a:xfrm>
+        </p:spPr>
         <p:txBody>
           <a:bodyPr/>
           <a:lstStyle/>
@@ -3601,7 +3606,9 @@
         </p:nvSpPr>
         <p:spPr/>
         <p:txBody>
-          <a:bodyPr/>
+          <a:bodyPr>
+            <a:normAutofit/>
+          </a:bodyPr>
           <a:lstStyle/>
           <a:p>
             <a:r>
@@ -3612,15 +3619,20 @@
           <a:p>
             <a:r>
               <a:rPr lang="en-US" dirty="0" smtClean="0"/>
-              <a:t>Explore algorithmic methods for combining multiple scanning methods and reducing error</a:t>
-            </a:r>
+              <a:t>Validate viability of low-cost projection alternatives</a:t>
+            </a:r>
+            <a:endParaRPr lang="en-US" dirty="0" smtClean="0"/>
           </a:p>
           <a:p>
             <a:r>
               <a:rPr lang="en-US" dirty="0" smtClean="0"/>
-              <a:t>Forward-facing software development to allow for various input devices (allows rapid modification during prototyping and future additions)</a:t>
-            </a:r>
-            <a:endParaRPr lang="en-US" dirty="0"/>
+              <a:t>Explore algorithmic methods for combining multiple scanning methods and reducing </a:t>
+            </a:r>
+            <a:r>
+              <a:rPr lang="en-US" dirty="0" smtClean="0"/>
+              <a:t>error</a:t>
+            </a:r>
+            <a:endParaRPr lang="en-US" dirty="0" smtClean="0"/>
           </a:p>
         </p:txBody>
       </p:sp>
@@ -3704,15 +3716,7 @@
             <a:pPr marL="457200"/>
             <a:r>
               <a:rPr lang="en-US" sz="2000" dirty="0" smtClean="0"/>
-              <a:t>All </a:t>
-            </a:r>
-            <a:r>
-              <a:rPr lang="en-US" sz="2000" dirty="0" smtClean="0"/>
-              <a:t>work in </a:t>
-            </a:r>
-            <a:r>
-              <a:rPr lang="en-US" sz="2000" dirty="0" smtClean="0"/>
-              <a:t>measurement, design, art, and manufacturing will soon take advantage of the accuracy and speed of 3D scanning.</a:t>
+              <a:t>All work in measurement, design, art, and manufacturing will soon take advantage of the accuracy and speed of 3D scanning.</a:t>
             </a:r>
             <a:br>
               <a:rPr lang="en-US" sz="2000" dirty="0" smtClean="0"/>
@@ -3842,11 +3846,7 @@
           <a:p>
             <a:r>
               <a:rPr lang="en-US" dirty="0" smtClean="0"/>
-              <a:t>Potential </a:t>
-            </a:r>
-            <a:r>
-              <a:rPr lang="en-US" dirty="0" smtClean="0"/>
-              <a:t>users</a:t>
+              <a:t>Potential users</a:t>
             </a:r>
           </a:p>
           <a:p>
@@ -3887,35 +3887,23 @@
           <a:p>
             <a:r>
               <a:rPr lang="en-US" dirty="0" smtClean="0"/>
-              <a:t>Interest </a:t>
+              <a:t>Interest in and use </a:t>
             </a:r>
             <a:r>
               <a:rPr lang="en-US" dirty="0" smtClean="0"/>
-              <a:t>in and use </a:t>
+              <a:t>of 3D printing </a:t>
             </a:r>
             <a:r>
               <a:rPr lang="en-US" dirty="0" smtClean="0"/>
-              <a:t>in </a:t>
+              <a:t>is growing wildly.  3D scanning is the </a:t>
             </a:r>
             <a:r>
               <a:rPr lang="en-US" dirty="0" smtClean="0"/>
-              <a:t>3D </a:t>
+              <a:t>second half of this </a:t>
             </a:r>
             <a:r>
               <a:rPr lang="en-US" dirty="0" smtClean="0"/>
-              <a:t>of printing </a:t>
-            </a:r>
-            <a:r>
-              <a:rPr lang="en-US" dirty="0" smtClean="0"/>
-              <a:t>is </a:t>
-            </a:r>
-            <a:r>
-              <a:rPr lang="en-US" dirty="0" smtClean="0"/>
-              <a:t>growing wildly</a:t>
-            </a:r>
-            <a:r>
-              <a:rPr lang="en-US" dirty="0" smtClean="0"/>
-              <a:t>.  3D scanning is the other part of this revolution</a:t>
+              <a:t>revolution</a:t>
             </a:r>
           </a:p>
           <a:p>
@@ -4053,11 +4041,7 @@
           <a:p>
             <a:r>
               <a:rPr lang="en-US" dirty="0" smtClean="0"/>
-              <a:t>Relevant </a:t>
-            </a:r>
-            <a:r>
-              <a:rPr lang="en-US" dirty="0" smtClean="0"/>
-              <a:t>Technology Advances</a:t>
+              <a:t>Relevant Technology Advances</a:t>
             </a:r>
             <a:endParaRPr lang="en-US" dirty="0"/>
           </a:p>
@@ -4090,11 +4074,7 @@
             <a:pPr lvl="1"/>
             <a:r>
               <a:rPr lang="en-US" dirty="0" smtClean="0"/>
-              <a:t> </a:t>
-            </a:r>
-            <a:r>
-              <a:rPr lang="en-US" dirty="0" smtClean="0"/>
-              <a:t>Notably emergence of high-quality, compact, and cheap cell phone cameras</a:t>
+              <a:t> Notably emergence of high-quality, compact, and cheap cell phone cameras</a:t>
             </a:r>
           </a:p>
           <a:p>
@@ -4106,17 +4086,12 @@
               <a:rPr lang="en-US" dirty="0" smtClean="0"/>
               <a:t> </a:t>
             </a:r>
-            <a:endParaRPr lang="en-US" dirty="0" smtClean="0"/>
           </a:p>
           <a:p>
             <a:pPr lvl="1"/>
             <a:r>
               <a:rPr lang="en-US" dirty="0" smtClean="0"/>
-              <a:t>High</a:t>
-            </a:r>
-            <a:r>
-              <a:rPr lang="en-US" dirty="0" smtClean="0"/>
-              <a:t>-power computers are practically ubiquitous</a:t>
+              <a:t>High-power computers are practically ubiquitous</a:t>
             </a:r>
           </a:p>
           <a:p>
@@ -4129,11 +4104,7 @@
             <a:pPr lvl="1"/>
             <a:r>
               <a:rPr lang="en-US" dirty="0" smtClean="0"/>
-              <a:t>High</a:t>
-            </a:r>
-            <a:r>
-              <a:rPr lang="en-US" dirty="0" smtClean="0"/>
-              <a:t>-precision laser cutting and CNC machining is now easily attainable</a:t>
+              <a:t>High-precision laser cutting and CNC machining is now easily attainable</a:t>
             </a:r>
           </a:p>
           <a:p>
@@ -4587,7 +4558,7 @@
         <p:spPr/>
         <p:txBody>
           <a:bodyPr>
-            <a:normAutofit fontScale="85000" lnSpcReduction="20000"/>
+            <a:normAutofit/>
           </a:bodyPr>
           <a:lstStyle/>
           <a:p>
@@ -4638,11 +4609,7 @@
             </a:r>
             <a:r>
               <a:rPr lang="en-US" sz="2118" dirty="0" smtClean="0"/>
-              <a:t>ntuitive </a:t>
-            </a:r>
-            <a:r>
-              <a:rPr lang="en-US" sz="2118" dirty="0" smtClean="0"/>
-              <a:t>website and software UI</a:t>
+              <a:t>ntuitive website and software UI</a:t>
             </a:r>
           </a:p>
           <a:p>
@@ -4653,55 +4620,13 @@
             </a:r>
             <a:r>
               <a:rPr lang="en-US" sz="2118" dirty="0" smtClean="0"/>
-              <a:t>omputer</a:t>
+              <a:t>omputer-controlled </a:t>
             </a:r>
             <a:r>
               <a:rPr lang="en-US" sz="2118" dirty="0" smtClean="0"/>
-              <a:t>-controlled calibration</a:t>
-            </a:r>
-          </a:p>
-          <a:p>
-            <a:r>
-              <a:rPr lang="en-US" b="1" dirty="0" smtClean="0"/>
-              <a:t>Modular</a:t>
-            </a:r>
-          </a:p>
-          <a:p>
-            <a:pPr lvl="1"/>
-            <a:r>
-              <a:rPr lang="en-US" sz="2118" dirty="0"/>
-              <a:t>E</a:t>
-            </a:r>
-            <a:r>
-              <a:rPr lang="en-US" sz="2118" dirty="0" smtClean="0"/>
-              <a:t>asily </a:t>
-            </a:r>
-            <a:r>
-              <a:rPr lang="en-US" sz="2118" dirty="0" smtClean="0"/>
-              <a:t>alter the workspace</a:t>
-            </a:r>
-          </a:p>
-          <a:p>
-            <a:pPr lvl="1"/>
-            <a:r>
-              <a:rPr lang="en-US" sz="2118" dirty="0" smtClean="0"/>
-              <a:t>Enables scanning a single face of large objects, all faces of a small object, or </a:t>
-            </a:r>
-            <a:r>
-              <a:rPr lang="en-US" sz="2118" dirty="0" smtClean="0"/>
-              <a:t>even an </a:t>
-            </a:r>
-            <a:r>
-              <a:rPr lang="en-US" sz="2118" dirty="0" smtClean="0"/>
-              <a:t>entire room with one system</a:t>
-            </a:r>
-          </a:p>
-          <a:p>
-            <a:pPr lvl="1"/>
-            <a:r>
-              <a:rPr lang="en-US" sz="2118" dirty="0" smtClean="0"/>
-              <a:t>Allows easy upgrading, maintenance, and expansion</a:t>
-            </a:r>
+              <a:t>calibration</a:t>
+            </a:r>
+            <a:endParaRPr lang="en-US" sz="2118" dirty="0" smtClean="0"/>
           </a:p>
           <a:p>
             <a:r>
@@ -4771,60 +4696,6 @@
           </a:p>
         </p:txBody>
       </p:sp>
-      <p:pic>
-        <p:nvPicPr>
-          <p:cNvPr id="7" name="Picture 6" descr="me.jpg"/>
-          <p:cNvPicPr>
-            <a:picLocks noChangeAspect="1"/>
-          </p:cNvPicPr>
-          <p:nvPr/>
-        </p:nvPicPr>
-        <p:blipFill>
-          <a:blip r:embed="rId2"/>
-          <a:stretch>
-            <a:fillRect/>
-          </a:stretch>
-        </p:blipFill>
-        <p:spPr>
-          <a:xfrm>
-            <a:off x="4700248" y="4449936"/>
-            <a:ext cx="1295169" cy="1295169"/>
-          </a:xfrm>
-          <a:prstGeom prst="rect">
-            <a:avLst/>
-          </a:prstGeom>
-          <a:solidFill>
-            <a:srgbClr val="FFFFFF">
-              <a:shade val="85000"/>
-            </a:srgbClr>
-          </a:solidFill>
-          <a:ln w="88900" cap="sq">
-            <a:solidFill>
-              <a:srgbClr val="FFFFFF"/>
-            </a:solidFill>
-            <a:miter lim="800000"/>
-          </a:ln>
-          <a:effectLst>
-            <a:outerShdw blurRad="55000" dist="18000" dir="5400000" algn="tl" rotWithShape="0">
-              <a:srgbClr val="000000">
-                <a:alpha val="40000"/>
-              </a:srgbClr>
-            </a:outerShdw>
-          </a:effectLst>
-          <a:scene3d>
-            <a:camera prst="orthographicFront"/>
-            <a:lightRig rig="twoPt" dir="t">
-              <a:rot lat="0" lon="0" rev="7200000"/>
-            </a:lightRig>
-          </a:scene3d>
-          <a:sp3d>
-            <a:bevelT w="25400" h="19050"/>
-            <a:contourClr>
-              <a:srgbClr val="FFFFFF"/>
-            </a:contourClr>
-          </a:sp3d>
-        </p:spPr>
-      </p:pic>
       <p:sp>
         <p:nvSpPr>
           <p:cNvPr id="8" name="TextBox 7"/>
@@ -4833,7 +4704,7 @@
         </p:nvSpPr>
         <p:spPr>
           <a:xfrm>
-            <a:off x="1964196" y="2022582"/>
+            <a:off x="2871055" y="1783523"/>
             <a:ext cx="2383578" cy="1231106"/>
           </a:xfrm>
           <a:prstGeom prst="rect">
@@ -4903,7 +4774,7 @@
         </p:nvSpPr>
         <p:spPr>
           <a:xfrm>
-            <a:off x="1964196" y="4513999"/>
+            <a:off x="2873137" y="5048840"/>
             <a:ext cx="2383578" cy="1231106"/>
           </a:xfrm>
           <a:prstGeom prst="rect">
@@ -4963,7 +4834,7 @@
         </p:nvSpPr>
         <p:spPr>
           <a:xfrm>
-            <a:off x="6121369" y="2022582"/>
+            <a:off x="5961795" y="3309911"/>
             <a:ext cx="2383578" cy="1231106"/>
           </a:xfrm>
           <a:prstGeom prst="rect">
@@ -5010,66 +4881,6 @@
             <a:r>
               <a:rPr lang="en-US" sz="1400" dirty="0" smtClean="0"/>
               <a:t> Mechanical &amp; Electrical Engineering</a:t>
-            </a:r>
-            <a:endParaRPr lang="en-US" sz="1400" dirty="0"/>
-          </a:p>
-        </p:txBody>
-      </p:sp>
-      <p:sp>
-        <p:nvSpPr>
-          <p:cNvPr id="11" name="TextBox 10"/>
-          <p:cNvSpPr txBox="1"/>
-          <p:nvPr/>
-        </p:nvSpPr>
-        <p:spPr>
-          <a:xfrm>
-            <a:off x="6273769" y="4513999"/>
-            <a:ext cx="2383578" cy="1015663"/>
-          </a:xfrm>
-          <a:prstGeom prst="rect">
-            <a:avLst/>
-          </a:prstGeom>
-          <a:noFill/>
-        </p:spPr>
-        <p:txBody>
-          <a:bodyPr wrap="square" rtlCol="0">
-            <a:spAutoFit/>
-          </a:bodyPr>
-          <a:lstStyle/>
-          <a:p>
-            <a:r>
-              <a:rPr lang="en-US" dirty="0" smtClean="0"/>
-              <a:t>Turner Bohlen</a:t>
-            </a:r>
-          </a:p>
-          <a:p>
-            <a:r>
-              <a:rPr lang="en-US" sz="1400" b="1" dirty="0" smtClean="0"/>
-              <a:t>Year:</a:t>
-            </a:r>
-            <a:r>
-              <a:rPr lang="en-US" sz="1400" dirty="0" smtClean="0"/>
-              <a:t> 2014</a:t>
-            </a:r>
-          </a:p>
-          <a:p>
-            <a:r>
-              <a:rPr lang="en-US" sz="1400" b="1" dirty="0" smtClean="0"/>
-              <a:t>Major:</a:t>
-            </a:r>
-            <a:r>
-              <a:rPr lang="en-US" sz="1400" dirty="0" smtClean="0"/>
-              <a:t> Physics</a:t>
-            </a:r>
-          </a:p>
-          <a:p>
-            <a:r>
-              <a:rPr lang="en-US" sz="1400" b="1" dirty="0" smtClean="0"/>
-              <a:t>Job:</a:t>
-            </a:r>
-            <a:r>
-              <a:rPr lang="en-US" sz="1400" dirty="0" smtClean="0"/>
-              <a:t> Programming</a:t>
             </a:r>
             <a:endParaRPr lang="en-US" sz="1400" dirty="0"/>
           </a:p>
@@ -5084,7 +4895,7 @@
           <p:nvPr/>
         </p:nvPicPr>
         <p:blipFill rotWithShape="1">
-          <a:blip r:embed="rId3">
+          <a:blip r:embed="rId2">
             <a:extLst>
               <a:ext uri="{28A0092B-C50C-407E-A947-70E740481C1C}">
                 <a14:useLocalDpi xmlns:a14="http://schemas.microsoft.com/office/drawing/2010/main" val="0"/>
@@ -5096,7 +4907,7 @@
         </p:blipFill>
         <p:spPr>
           <a:xfrm>
-            <a:off x="531718" y="4449936"/>
+            <a:off x="1440659" y="4984777"/>
             <a:ext cx="1293464" cy="1292128"/>
           </a:xfrm>
           <a:prstGeom prst="rect">
@@ -5143,14 +4954,14 @@
           <p:nvPr/>
         </p:nvPicPr>
         <p:blipFill>
-          <a:blip r:embed="rId4"/>
+          <a:blip r:embed="rId3"/>
           <a:stretch>
             <a:fillRect/>
           </a:stretch>
         </p:blipFill>
         <p:spPr>
           <a:xfrm>
-            <a:off x="531718" y="1979359"/>
+            <a:off x="1438577" y="1740300"/>
             <a:ext cx="1295546" cy="1295546"/>
           </a:xfrm>
           <a:prstGeom prst="rect">
@@ -5197,14 +5008,14 @@
           <p:nvPr/>
         </p:nvPicPr>
         <p:blipFill>
-          <a:blip r:embed="rId5"/>
+          <a:blip r:embed="rId4"/>
           <a:stretch>
             <a:fillRect/>
           </a:stretch>
         </p:blipFill>
         <p:spPr>
           <a:xfrm>
-            <a:off x="4700247" y="1952626"/>
+            <a:off x="4540673" y="3239955"/>
             <a:ext cx="1295169" cy="1322280"/>
           </a:xfrm>
           <a:prstGeom prst="rect">
@@ -5285,73 +5096,58 @@
         <p:spPr>
           <a:xfrm>
             <a:off x="457200" y="1600200"/>
-            <a:ext cx="4105729" cy="4525963"/>
+            <a:ext cx="7879976" cy="4525963"/>
           </a:xfrm>
         </p:spPr>
         <p:txBody>
           <a:bodyPr>
-            <a:normAutofit/>
+            <a:normAutofit fontScale="92500"/>
           </a:bodyPr>
           <a:lstStyle/>
           <a:p>
             <a:r>
               <a:rPr lang="en-US" dirty="0" smtClean="0"/>
-              <a:t>Ideas we want to explore:</a:t>
+              <a:t>Can successfully complete a scan using a DLP Projector </a:t>
+            </a:r>
+          </a:p>
+          <a:p>
+            <a:r>
+              <a:rPr lang="en-US" dirty="0" smtClean="0"/>
+              <a:t>Confident an array of cheap pinhole CMOS cameras can provide desired cost and accuracy</a:t>
+            </a:r>
+          </a:p>
+          <a:p>
+            <a:r>
+              <a:rPr lang="en-US" dirty="0" smtClean="0"/>
+              <a:t>DLP Projector is cost driver – low-cost alternatives to DLP Projection include:</a:t>
             </a:r>
           </a:p>
           <a:p>
             <a:pPr lvl="1"/>
             <a:r>
               <a:rPr lang="en-US" dirty="0" smtClean="0"/>
-              <a:t>Fixed and moving gratings over LEDs instead of projectors</a:t>
-            </a:r>
+              <a:t>Fixed </a:t>
+            </a:r>
+            <a:r>
+              <a:rPr lang="en-US" dirty="0" smtClean="0"/>
+              <a:t>and moving gratings over </a:t>
+            </a:r>
+            <a:r>
+              <a:rPr lang="en-US" dirty="0" smtClean="0"/>
+              <a:t>LEDs (Talbot imaging)</a:t>
+            </a:r>
+            <a:endParaRPr lang="en-US" dirty="0" smtClean="0"/>
           </a:p>
           <a:p>
             <a:pPr lvl="1"/>
             <a:r>
               <a:rPr lang="en-US" dirty="0" smtClean="0"/>
-              <a:t>Redundant arrays of cheap CMOS cameras</a:t>
-            </a:r>
+              <a:t>Optical interference fringes</a:t>
+            </a:r>
+            <a:endParaRPr lang="en-US" dirty="0" smtClean="0"/>
           </a:p>
           <a:p>
             <a:pPr lvl="1"/>
-            <a:r>
-              <a:rPr lang="en-US" dirty="0" smtClean="0"/>
-              <a:t>Merging multiple scanning techniques</a:t>
-            </a:r>
-          </a:p>
-          <a:p>
-            <a:pPr lvl="1"/>
-            <a:endParaRPr lang="en-US" dirty="0"/>
-          </a:p>
-        </p:txBody>
-      </p:sp>
-      <p:sp>
-        <p:nvSpPr>
-          <p:cNvPr id="5" name="TextBox 4"/>
-          <p:cNvSpPr txBox="1"/>
-          <p:nvPr/>
-        </p:nvSpPr>
-        <p:spPr>
-          <a:xfrm>
-            <a:off x="5872958" y="3668657"/>
-            <a:ext cx="1855947" cy="369332"/>
-          </a:xfrm>
-          <a:prstGeom prst="rect">
-            <a:avLst/>
-          </a:prstGeom>
-          <a:noFill/>
-        </p:spPr>
-        <p:txBody>
-          <a:bodyPr wrap="none" rtlCol="0">
-            <a:spAutoFit/>
-          </a:bodyPr>
-          <a:lstStyle/>
-          <a:p>
-            <a:r>
-              <a:rPr lang="en-US" dirty="0" smtClean="0"/>
-              <a:t>[CAD model here]</a:t>
-            </a:r>
             <a:endParaRPr lang="en-US" dirty="0"/>
           </a:p>
         </p:txBody>

--- a/presentations/10-slide-pitch/initial-10-slide-pitch.pptx
+++ b/presentations/10-slide-pitch/initial-10-slide-pitch.pptx
@@ -6,15 +6,17 @@
   </p:sldMasterIdLst>
   <p:sldIdLst>
     <p:sldId id="256" r:id="rId2"/>
-    <p:sldId id="257" r:id="rId3"/>
-    <p:sldId id="258" r:id="rId4"/>
-    <p:sldId id="259" r:id="rId5"/>
-    <p:sldId id="260" r:id="rId6"/>
-    <p:sldId id="261" r:id="rId7"/>
-    <p:sldId id="262" r:id="rId8"/>
-    <p:sldId id="263" r:id="rId9"/>
-    <p:sldId id="264" r:id="rId10"/>
-    <p:sldId id="265" r:id="rId11"/>
+    <p:sldId id="266" r:id="rId3"/>
+    <p:sldId id="257" r:id="rId4"/>
+    <p:sldId id="267" r:id="rId5"/>
+    <p:sldId id="268" r:id="rId6"/>
+    <p:sldId id="269" r:id="rId7"/>
+    <p:sldId id="258" r:id="rId8"/>
+    <p:sldId id="261" r:id="rId9"/>
+    <p:sldId id="262" r:id="rId10"/>
+    <p:sldId id="263" r:id="rId11"/>
+    <p:sldId id="264" r:id="rId12"/>
+    <p:sldId id="265" r:id="rId13"/>
   </p:sldIdLst>
   <p:sldSz cx="9144000" cy="6858000" type="screen4x3"/>
   <p:notesSz cx="6858000" cy="9144000"/>
@@ -426,12 +428,12 @@
         </c:dLbls>
         <c:gapWidth val="150"/>
         <c:shape val="box"/>
-        <c:axId val="2087539176"/>
-        <c:axId val="2087544856"/>
-        <c:axId val="2087550312"/>
+        <c:axId val="525852168"/>
+        <c:axId val="525857800"/>
+        <c:axId val="525863256"/>
       </c:bar3DChart>
       <c:catAx>
-        <c:axId val="2087539176"/>
+        <c:axId val="525852168"/>
         <c:scaling>
           <c:orientation val="minMax"/>
         </c:scaling>
@@ -471,7 +473,7 @@
             <a:endParaRPr lang="en-US"/>
           </a:p>
         </c:txPr>
-        <c:crossAx val="2087544856"/>
+        <c:crossAx val="525857800"/>
         <c:crosses val="autoZero"/>
         <c:auto val="1"/>
         <c:lblAlgn val="ctr"/>
@@ -479,7 +481,7 @@
         <c:noMultiLvlLbl val="0"/>
       </c:catAx>
       <c:valAx>
-        <c:axId val="2087544856"/>
+        <c:axId val="525857800"/>
         <c:scaling>
           <c:orientation val="minMax"/>
         </c:scaling>
@@ -519,12 +521,12 @@
             <a:endParaRPr lang="en-US"/>
           </a:p>
         </c:txPr>
-        <c:crossAx val="2087539176"/>
+        <c:crossAx val="525852168"/>
         <c:crosses val="autoZero"/>
         <c:crossBetween val="between"/>
       </c:valAx>
       <c:serAx>
-        <c:axId val="2087550312"/>
+        <c:axId val="525863256"/>
         <c:scaling>
           <c:orientation val="minMax"/>
         </c:scaling>
@@ -533,7 +535,7 @@
         <c:majorTickMark val="out"/>
         <c:minorTickMark val="none"/>
         <c:tickLblPos val="nextTo"/>
-        <c:crossAx val="2087544856"/>
+        <c:crossAx val="525857800"/>
         <c:crosses val="autoZero"/>
       </c:serAx>
     </c:plotArea>
@@ -741,7 +743,7 @@
           <a:p>
             <a:fld id="{365CA2CA-CD65-4142-8343-1AFCEEA668AB}" type="datetimeFigureOut">
               <a:rPr lang="en-US" smtClean="0"/>
-              <a:t>4/1/13</a:t>
+              <a:t>4/21/13</a:t>
             </a:fld>
             <a:endParaRPr lang="en-US"/>
           </a:p>
@@ -906,7 +908,7 @@
           <a:p>
             <a:fld id="{365CA2CA-CD65-4142-8343-1AFCEEA668AB}" type="datetimeFigureOut">
               <a:rPr lang="en-US" smtClean="0"/>
-              <a:t>4/1/13</a:t>
+              <a:t>4/21/13</a:t>
             </a:fld>
             <a:endParaRPr lang="en-US"/>
           </a:p>
@@ -1081,7 +1083,7 @@
           <a:p>
             <a:fld id="{365CA2CA-CD65-4142-8343-1AFCEEA668AB}" type="datetimeFigureOut">
               <a:rPr lang="en-US" smtClean="0"/>
-              <a:t>4/1/13</a:t>
+              <a:t>4/21/13</a:t>
             </a:fld>
             <a:endParaRPr lang="en-US"/>
           </a:p>
@@ -1246,7 +1248,7 @@
           <a:p>
             <a:fld id="{365CA2CA-CD65-4142-8343-1AFCEEA668AB}" type="datetimeFigureOut">
               <a:rPr lang="en-US" smtClean="0"/>
-              <a:t>4/1/13</a:t>
+              <a:t>4/21/13</a:t>
             </a:fld>
             <a:endParaRPr lang="en-US"/>
           </a:p>
@@ -1487,7 +1489,7 @@
           <a:p>
             <a:fld id="{365CA2CA-CD65-4142-8343-1AFCEEA668AB}" type="datetimeFigureOut">
               <a:rPr lang="en-US" smtClean="0"/>
-              <a:t>4/1/13</a:t>
+              <a:t>4/21/13</a:t>
             </a:fld>
             <a:endParaRPr lang="en-US"/>
           </a:p>
@@ -1770,7 +1772,7 @@
           <a:p>
             <a:fld id="{365CA2CA-CD65-4142-8343-1AFCEEA668AB}" type="datetimeFigureOut">
               <a:rPr lang="en-US" smtClean="0"/>
-              <a:t>4/1/13</a:t>
+              <a:t>4/21/13</a:t>
             </a:fld>
             <a:endParaRPr lang="en-US"/>
           </a:p>
@@ -2187,7 +2189,7 @@
           <a:p>
             <a:fld id="{365CA2CA-CD65-4142-8343-1AFCEEA668AB}" type="datetimeFigureOut">
               <a:rPr lang="en-US" smtClean="0"/>
-              <a:t>4/1/13</a:t>
+              <a:t>4/21/13</a:t>
             </a:fld>
             <a:endParaRPr lang="en-US"/>
           </a:p>
@@ -2300,7 +2302,7 @@
           <a:p>
             <a:fld id="{365CA2CA-CD65-4142-8343-1AFCEEA668AB}" type="datetimeFigureOut">
               <a:rPr lang="en-US" smtClean="0"/>
-              <a:t>4/1/13</a:t>
+              <a:t>4/21/13</a:t>
             </a:fld>
             <a:endParaRPr lang="en-US"/>
           </a:p>
@@ -2390,7 +2392,7 @@
           <a:p>
             <a:fld id="{365CA2CA-CD65-4142-8343-1AFCEEA668AB}" type="datetimeFigureOut">
               <a:rPr lang="en-US" smtClean="0"/>
-              <a:t>4/1/13</a:t>
+              <a:t>4/21/13</a:t>
             </a:fld>
             <a:endParaRPr lang="en-US"/>
           </a:p>
@@ -2662,7 +2664,7 @@
           <a:p>
             <a:fld id="{365CA2CA-CD65-4142-8343-1AFCEEA668AB}" type="datetimeFigureOut">
               <a:rPr lang="en-US" smtClean="0"/>
-              <a:t>4/1/13</a:t>
+              <a:t>4/21/13</a:t>
             </a:fld>
             <a:endParaRPr lang="en-US"/>
           </a:p>
@@ -2910,7 +2912,7 @@
           <a:p>
             <a:fld id="{365CA2CA-CD65-4142-8343-1AFCEEA668AB}" type="datetimeFigureOut">
               <a:rPr lang="en-US" smtClean="0"/>
-              <a:t>4/1/13</a:t>
+              <a:t>4/21/13</a:t>
             </a:fld>
             <a:endParaRPr lang="en-US"/>
           </a:p>
@@ -3118,7 +3120,7 @@
           <a:p>
             <a:fld id="{365CA2CA-CD65-4142-8343-1AFCEEA668AB}" type="datetimeFigureOut">
               <a:rPr lang="en-US" smtClean="0"/>
-              <a:t>4/1/13</a:t>
+              <a:t>4/21/13</a:t>
             </a:fld>
             <a:endParaRPr lang="en-US"/>
           </a:p>
@@ -3588,1108 +3590,6 @@
           <a:p>
             <a:r>
               <a:rPr lang="en-US" dirty="0" smtClean="0"/>
-              <a:t>Next Steps</a:t>
-            </a:r>
-            <a:endParaRPr lang="en-US" dirty="0"/>
-          </a:p>
-        </p:txBody>
-      </p:sp>
-      <p:sp>
-        <p:nvSpPr>
-          <p:cNvPr id="3" name="Content Placeholder 2"/>
-          <p:cNvSpPr>
-            <a:spLocks noGrp="1"/>
-          </p:cNvSpPr>
-          <p:nvPr>
-            <p:ph idx="1"/>
-          </p:nvPr>
-        </p:nvSpPr>
-        <p:spPr/>
-        <p:txBody>
-          <a:bodyPr>
-            <a:normAutofit/>
-          </a:bodyPr>
-          <a:lstStyle/>
-          <a:p>
-            <a:r>
-              <a:rPr lang="en-US" dirty="0" smtClean="0"/>
-              <a:t>Prototype Prototype Prototype!</a:t>
-            </a:r>
-          </a:p>
-          <a:p>
-            <a:r>
-              <a:rPr lang="en-US" dirty="0" smtClean="0"/>
-              <a:t>Validate viability of low-cost projection alternatives</a:t>
-            </a:r>
-            <a:endParaRPr lang="en-US" dirty="0" smtClean="0"/>
-          </a:p>
-          <a:p>
-            <a:r>
-              <a:rPr lang="en-US" dirty="0" smtClean="0"/>
-              <a:t>Explore algorithmic methods for combining multiple scanning methods and reducing </a:t>
-            </a:r>
-            <a:r>
-              <a:rPr lang="en-US" dirty="0" smtClean="0"/>
-              <a:t>error</a:t>
-            </a:r>
-            <a:endParaRPr lang="en-US" dirty="0" smtClean="0"/>
-          </a:p>
-        </p:txBody>
-      </p:sp>
-    </p:spTree>
-  </p:cSld>
-  <p:clrMapOvr>
-    <a:masterClrMapping/>
-  </p:clrMapOvr>
-</p:sld>
-</file>
-
-<file path=ppt/slides/slide2.xml><?xml version="1.0" encoding="utf-8"?>
-<p:sld xmlns:a="http://schemas.openxmlformats.org/drawingml/2006/main" xmlns:r="http://schemas.openxmlformats.org/officeDocument/2006/relationships" xmlns:p="http://schemas.openxmlformats.org/presentationml/2006/main">
-  <p:cSld>
-    <p:spTree>
-      <p:nvGrpSpPr>
-        <p:cNvPr id="1" name=""/>
-        <p:cNvGrpSpPr/>
-        <p:nvPr/>
-      </p:nvGrpSpPr>
-      <p:grpSpPr>
-        <a:xfrm>
-          <a:off x="0" y="0"/>
-          <a:ext cx="0" cy="0"/>
-          <a:chOff x="0" y="0"/>
-          <a:chExt cx="0" cy="0"/>
-        </a:xfrm>
-      </p:grpSpPr>
-      <p:sp>
-        <p:nvSpPr>
-          <p:cNvPr id="2" name="Title 1"/>
-          <p:cNvSpPr>
-            <a:spLocks noGrp="1"/>
-          </p:cNvSpPr>
-          <p:nvPr>
-            <p:ph type="title"/>
-          </p:nvPr>
-        </p:nvSpPr>
-        <p:spPr/>
-        <p:txBody>
-          <a:bodyPr/>
-          <a:lstStyle/>
-          <a:p>
-            <a:r>
-              <a:rPr lang="en-US" dirty="0" smtClean="0"/>
-              <a:t>Vision</a:t>
-            </a:r>
-            <a:endParaRPr lang="en-US" dirty="0"/>
-          </a:p>
-        </p:txBody>
-      </p:sp>
-      <p:sp>
-        <p:nvSpPr>
-          <p:cNvPr id="4" name="TextBox 3"/>
-          <p:cNvSpPr txBox="1"/>
-          <p:nvPr/>
-        </p:nvSpPr>
-        <p:spPr>
-          <a:xfrm>
-            <a:off x="662214" y="2168071"/>
-            <a:ext cx="8024586" cy="2800767"/>
-          </a:xfrm>
-          <a:prstGeom prst="rect">
-            <a:avLst/>
-          </a:prstGeom>
-          <a:noFill/>
-        </p:spPr>
-        <p:txBody>
-          <a:bodyPr wrap="square" rtlCol="0">
-            <a:spAutoFit/>
-          </a:bodyPr>
-          <a:lstStyle/>
-          <a:p>
-            <a:r>
-              <a:rPr lang="en-US" sz="3200" dirty="0" smtClean="0"/>
-              <a:t>Our Vision:</a:t>
-            </a:r>
-            <a:endParaRPr lang="en-US" sz="2800" dirty="0" smtClean="0"/>
-          </a:p>
-          <a:p>
-            <a:pPr marL="457200"/>
-            <a:r>
-              <a:rPr lang="en-US" sz="2000" dirty="0" smtClean="0"/>
-              <a:t>All work in measurement, design, art, and manufacturing will soon take advantage of the accuracy and speed of 3D scanning.</a:t>
-            </a:r>
-            <a:br>
-              <a:rPr lang="en-US" sz="2000" dirty="0" smtClean="0"/>
-            </a:br>
-            <a:endParaRPr lang="en-US" sz="3200" dirty="0" smtClean="0"/>
-          </a:p>
-          <a:p>
-            <a:r>
-              <a:rPr lang="en-US" sz="3200" dirty="0" smtClean="0"/>
-              <a:t>Our Goal:</a:t>
-            </a:r>
-          </a:p>
-          <a:p>
-            <a:pPr marL="457200"/>
-            <a:r>
-              <a:rPr lang="en-US" sz="2000" dirty="0" smtClean="0"/>
-              <a:t>We will develop high-quality 3D scanners accessible to individuals and businesses on small budgets.</a:t>
-            </a:r>
-            <a:endParaRPr lang="en-US" sz="2000" dirty="0"/>
-          </a:p>
-        </p:txBody>
-      </p:sp>
-    </p:spTree>
-  </p:cSld>
-  <p:clrMapOvr>
-    <a:masterClrMapping/>
-  </p:clrMapOvr>
-  <p:timing>
-    <p:tnLst>
-      <p:par>
-        <p:cTn xmlns:p14="http://schemas.microsoft.com/office/powerpoint/2010/main" id="1" dur="indefinite" restart="never" nodeType="tmRoot"/>
-      </p:par>
-    </p:tnLst>
-  </p:timing>
-</p:sld>
-</file>
-
-<file path=ppt/slides/slide3.xml><?xml version="1.0" encoding="utf-8"?>
-<p:sld xmlns:a="http://schemas.openxmlformats.org/drawingml/2006/main" xmlns:r="http://schemas.openxmlformats.org/officeDocument/2006/relationships" xmlns:p="http://schemas.openxmlformats.org/presentationml/2006/main">
-  <p:cSld>
-    <p:spTree>
-      <p:nvGrpSpPr>
-        <p:cNvPr id="1" name=""/>
-        <p:cNvGrpSpPr/>
-        <p:nvPr/>
-      </p:nvGrpSpPr>
-      <p:grpSpPr>
-        <a:xfrm>
-          <a:off x="0" y="0"/>
-          <a:ext cx="0" cy="0"/>
-          <a:chOff x="0" y="0"/>
-          <a:chExt cx="0" cy="0"/>
-        </a:xfrm>
-      </p:grpSpPr>
-      <p:graphicFrame>
-        <p:nvGraphicFramePr>
-          <p:cNvPr id="9" name="Chart 8"/>
-          <p:cNvGraphicFramePr/>
-          <p:nvPr>
-            <p:extLst>
-              <p:ext uri="{D42A27DB-BD31-4B8C-83A1-F6EECF244321}">
-                <p14:modId xmlns:p14="http://schemas.microsoft.com/office/powerpoint/2010/main" val="2708659999"/>
-              </p:ext>
-            </p:extLst>
-          </p:nvPr>
-        </p:nvGraphicFramePr>
-        <p:xfrm>
-          <a:off x="4479666" y="1594553"/>
-          <a:ext cx="4207133" cy="4432683"/>
-        </p:xfrm>
-        <a:graphic>
-          <a:graphicData uri="http://schemas.openxmlformats.org/drawingml/2006/chart">
-            <c:chart xmlns:c="http://schemas.openxmlformats.org/drawingml/2006/chart" xmlns:r="http://schemas.openxmlformats.org/officeDocument/2006/relationships" r:id="rId2"/>
-          </a:graphicData>
-        </a:graphic>
-      </p:graphicFrame>
-      <p:sp>
-        <p:nvSpPr>
-          <p:cNvPr id="2" name="Title 1"/>
-          <p:cNvSpPr>
-            <a:spLocks noGrp="1"/>
-          </p:cNvSpPr>
-          <p:nvPr>
-            <p:ph type="title"/>
-          </p:nvPr>
-        </p:nvSpPr>
-        <p:spPr/>
-        <p:txBody>
-          <a:bodyPr/>
-          <a:lstStyle/>
-          <a:p>
-            <a:r>
-              <a:rPr lang="en-US" dirty="0" smtClean="0"/>
-              <a:t>Market</a:t>
-            </a:r>
-            <a:endParaRPr lang="en-US" dirty="0"/>
-          </a:p>
-        </p:txBody>
-      </p:sp>
-      <p:sp>
-        <p:nvSpPr>
-          <p:cNvPr id="3" name="Content Placeholder 2"/>
-          <p:cNvSpPr>
-            <a:spLocks noGrp="1"/>
-          </p:cNvSpPr>
-          <p:nvPr>
-            <p:ph idx="1"/>
-          </p:nvPr>
-        </p:nvSpPr>
-        <p:spPr>
-          <a:xfrm>
-            <a:off x="457200" y="1600200"/>
-            <a:ext cx="4119090" cy="4525963"/>
-          </a:xfrm>
-        </p:spPr>
-        <p:txBody>
-          <a:bodyPr>
-            <a:normAutofit fontScale="70000" lnSpcReduction="20000"/>
-          </a:bodyPr>
-          <a:lstStyle/>
-          <a:p>
-            <a:r>
-              <a:rPr lang="en-US" dirty="0" smtClean="0"/>
-              <a:t>Existing $350 million 3D scanning market targets large businesses – similar accuracy and lower price exposes a much larger market</a:t>
-            </a:r>
-          </a:p>
-          <a:p>
-            <a:r>
-              <a:rPr lang="en-US" dirty="0" smtClean="0"/>
-              <a:t>Potential users</a:t>
-            </a:r>
-          </a:p>
-          <a:p>
-            <a:pPr lvl="1"/>
-            <a:r>
-              <a:rPr lang="en-US" dirty="0" smtClean="0"/>
-              <a:t>Research labs</a:t>
-            </a:r>
-          </a:p>
-          <a:p>
-            <a:pPr lvl="1"/>
-            <a:r>
-              <a:rPr lang="en-US" dirty="0" smtClean="0"/>
-              <a:t>Hobbyist builders</a:t>
-            </a:r>
-          </a:p>
-          <a:p>
-            <a:pPr lvl="1"/>
-            <a:r>
-              <a:rPr lang="en-US" dirty="0" smtClean="0"/>
-              <a:t>Artists</a:t>
-            </a:r>
-          </a:p>
-          <a:p>
-            <a:pPr lvl="1"/>
-            <a:r>
-              <a:rPr lang="en-US" dirty="0" smtClean="0"/>
-              <a:t>Product Designers</a:t>
-            </a:r>
-          </a:p>
-          <a:p>
-            <a:pPr lvl="1"/>
-            <a:r>
-              <a:rPr lang="en-US" dirty="0" smtClean="0"/>
-              <a:t>Small manufactures</a:t>
-            </a:r>
-          </a:p>
-          <a:p>
-            <a:r>
-              <a:rPr lang="en-US" dirty="0" smtClean="0"/>
-              <a:t>Interest in and use </a:t>
-            </a:r>
-            <a:r>
-              <a:rPr lang="en-US" dirty="0" smtClean="0"/>
-              <a:t>of 3D printing </a:t>
-            </a:r>
-            <a:r>
-              <a:rPr lang="en-US" dirty="0" smtClean="0"/>
-              <a:t>is growing wildly.  3D scanning is the </a:t>
-            </a:r>
-            <a:r>
-              <a:rPr lang="en-US" dirty="0" smtClean="0"/>
-              <a:t>second half of this </a:t>
-            </a:r>
-            <a:r>
-              <a:rPr lang="en-US" dirty="0" smtClean="0"/>
-              <a:t>revolution</a:t>
-            </a:r>
-          </a:p>
-          <a:p>
-            <a:endParaRPr lang="en-US" dirty="0"/>
-          </a:p>
-        </p:txBody>
-      </p:sp>
-      <p:sp>
-        <p:nvSpPr>
-          <p:cNvPr id="4" name="Rectangle 3"/>
-          <p:cNvSpPr/>
-          <p:nvPr/>
-        </p:nvSpPr>
-        <p:spPr>
-          <a:xfrm>
-            <a:off x="4479667" y="3244334"/>
-            <a:ext cx="184666" cy="369332"/>
-          </a:xfrm>
-          <a:prstGeom prst="rect">
-            <a:avLst/>
-          </a:prstGeom>
-        </p:spPr>
-        <p:txBody>
-          <a:bodyPr wrap="none">
-            <a:spAutoFit/>
-          </a:bodyPr>
-          <a:lstStyle/>
-          <a:p>
-            <a:r>
-              <a:rPr lang="en-US" dirty="0" smtClean="0"/>
-              <a:t> </a:t>
-            </a:r>
-            <a:endParaRPr lang="en-US" dirty="0"/>
-          </a:p>
-        </p:txBody>
-      </p:sp>
-      <p:sp>
-        <p:nvSpPr>
-          <p:cNvPr id="5" name="Rectangle 4"/>
-          <p:cNvSpPr/>
-          <p:nvPr/>
-        </p:nvSpPr>
-        <p:spPr>
-          <a:xfrm>
-            <a:off x="4479667" y="3244334"/>
-            <a:ext cx="184666" cy="369332"/>
-          </a:xfrm>
-          <a:prstGeom prst="rect">
-            <a:avLst/>
-          </a:prstGeom>
-        </p:spPr>
-        <p:txBody>
-          <a:bodyPr wrap="none">
-            <a:spAutoFit/>
-          </a:bodyPr>
-          <a:lstStyle/>
-          <a:p>
-            <a:r>
-              <a:rPr lang="en-US" dirty="0" smtClean="0"/>
-              <a:t> </a:t>
-            </a:r>
-            <a:endParaRPr lang="en-US" dirty="0"/>
-          </a:p>
-        </p:txBody>
-      </p:sp>
-      <p:sp>
-        <p:nvSpPr>
-          <p:cNvPr id="7" name="TextBox 6"/>
-          <p:cNvSpPr txBox="1"/>
-          <p:nvPr/>
-        </p:nvSpPr>
-        <p:spPr>
-          <a:xfrm>
-            <a:off x="5002882" y="5266070"/>
-            <a:ext cx="3535185" cy="400110"/>
-          </a:xfrm>
-          <a:prstGeom prst="rect">
-            <a:avLst/>
-          </a:prstGeom>
-          <a:noFill/>
-        </p:spPr>
-        <p:txBody>
-          <a:bodyPr wrap="square" rtlCol="0">
-            <a:spAutoFit/>
-          </a:bodyPr>
-          <a:lstStyle/>
-          <a:p>
-            <a:r>
-              <a:rPr lang="en-US" sz="1000" i="1" dirty="0" smtClean="0"/>
-              <a:t>Data from Wohlers Report 2012: Additive Manufacturing and 3D Printing State of the Industry</a:t>
-            </a:r>
-            <a:endParaRPr lang="en-US" sz="1000" i="1" dirty="0"/>
-          </a:p>
-        </p:txBody>
-      </p:sp>
-    </p:spTree>
-  </p:cSld>
-  <p:clrMapOvr>
-    <a:masterClrMapping/>
-  </p:clrMapOvr>
-</p:sld>
-</file>
-
-<file path=ppt/slides/slide4.xml><?xml version="1.0" encoding="utf-8"?>
-<p:sld xmlns:a="http://schemas.openxmlformats.org/drawingml/2006/main" xmlns:r="http://schemas.openxmlformats.org/officeDocument/2006/relationships" xmlns:p="http://schemas.openxmlformats.org/presentationml/2006/main">
-  <p:cSld>
-    <p:spTree>
-      <p:nvGrpSpPr>
-        <p:cNvPr id="1" name=""/>
-        <p:cNvGrpSpPr/>
-        <p:nvPr/>
-      </p:nvGrpSpPr>
-      <p:grpSpPr>
-        <a:xfrm>
-          <a:off x="0" y="0"/>
-          <a:ext cx="0" cy="0"/>
-          <a:chOff x="0" y="0"/>
-          <a:chExt cx="0" cy="0"/>
-        </a:xfrm>
-      </p:grpSpPr>
-      <p:sp>
-        <p:nvSpPr>
-          <p:cNvPr id="2" name="Title 1"/>
-          <p:cNvSpPr>
-            <a:spLocks noGrp="1"/>
-          </p:cNvSpPr>
-          <p:nvPr>
-            <p:ph type="title"/>
-          </p:nvPr>
-        </p:nvSpPr>
-        <p:spPr/>
-        <p:txBody>
-          <a:bodyPr/>
-          <a:lstStyle/>
-          <a:p>
-            <a:r>
-              <a:rPr lang="en-US" dirty="0" smtClean="0"/>
-              <a:t>Relevant Technology Advances</a:t>
-            </a:r>
-            <a:endParaRPr lang="en-US" dirty="0"/>
-          </a:p>
-        </p:txBody>
-      </p:sp>
-      <p:sp>
-        <p:nvSpPr>
-          <p:cNvPr id="3" name="Content Placeholder 2"/>
-          <p:cNvSpPr>
-            <a:spLocks noGrp="1"/>
-          </p:cNvSpPr>
-          <p:nvPr>
-            <p:ph idx="1"/>
-          </p:nvPr>
-        </p:nvSpPr>
-        <p:spPr/>
-        <p:txBody>
-          <a:bodyPr>
-            <a:normAutofit/>
-          </a:bodyPr>
-          <a:lstStyle/>
-          <a:p>
-            <a:r>
-              <a:rPr lang="en-US" b="1" dirty="0" smtClean="0"/>
-              <a:t>Optics and Digital Imaging </a:t>
-            </a:r>
-            <a:endParaRPr lang="en-US" dirty="0"/>
-          </a:p>
-          <a:p>
-            <a:pPr lvl="1"/>
-            <a:r>
-              <a:rPr lang="en-US" dirty="0" smtClean="0"/>
-              <a:t> Notably emergence of high-quality, compact, and cheap cell phone cameras</a:t>
-            </a:r>
-          </a:p>
-          <a:p>
-            <a:r>
-              <a:rPr lang="en-US" b="1" dirty="0" smtClean="0"/>
-              <a:t>Computing</a:t>
-            </a:r>
-            <a:r>
-              <a:rPr lang="en-US" dirty="0" smtClean="0"/>
-              <a:t> </a:t>
-            </a:r>
-          </a:p>
-          <a:p>
-            <a:pPr lvl="1"/>
-            <a:r>
-              <a:rPr lang="en-US" dirty="0" smtClean="0"/>
-              <a:t>High-power computers are practically ubiquitous</a:t>
-            </a:r>
-          </a:p>
-          <a:p>
-            <a:r>
-              <a:rPr lang="en-US" b="1" dirty="0" smtClean="0"/>
-              <a:t>Digital Fabrication</a:t>
-            </a:r>
-          </a:p>
-          <a:p>
-            <a:pPr lvl="1"/>
-            <a:r>
-              <a:rPr lang="en-US" dirty="0" smtClean="0"/>
-              <a:t>High-precision laser cutting and CNC machining is now easily attainable</a:t>
-            </a:r>
-          </a:p>
-          <a:p>
-            <a:endParaRPr lang="en-US" dirty="0" smtClean="0"/>
-          </a:p>
-        </p:txBody>
-      </p:sp>
-    </p:spTree>
-  </p:cSld>
-  <p:clrMapOvr>
-    <a:masterClrMapping/>
-  </p:clrMapOvr>
-</p:sld>
-</file>
-
-<file path=ppt/slides/slide5.xml><?xml version="1.0" encoding="utf-8"?>
-<p:sld xmlns:a="http://schemas.openxmlformats.org/drawingml/2006/main" xmlns:r="http://schemas.openxmlformats.org/officeDocument/2006/relationships" xmlns:p="http://schemas.openxmlformats.org/presentationml/2006/main">
-  <p:cSld>
-    <p:spTree>
-      <p:nvGrpSpPr>
-        <p:cNvPr id="1" name=""/>
-        <p:cNvGrpSpPr/>
-        <p:nvPr/>
-      </p:nvGrpSpPr>
-      <p:grpSpPr>
-        <a:xfrm>
-          <a:off x="0" y="0"/>
-          <a:ext cx="0" cy="0"/>
-          <a:chOff x="0" y="0"/>
-          <a:chExt cx="0" cy="0"/>
-        </a:xfrm>
-      </p:grpSpPr>
-      <p:sp>
-        <p:nvSpPr>
-          <p:cNvPr id="2" name="Title 1"/>
-          <p:cNvSpPr>
-            <a:spLocks noGrp="1"/>
-          </p:cNvSpPr>
-          <p:nvPr>
-            <p:ph type="title"/>
-          </p:nvPr>
-        </p:nvSpPr>
-        <p:spPr/>
-        <p:txBody>
-          <a:bodyPr/>
-          <a:lstStyle/>
-          <a:p>
-            <a:r>
-              <a:rPr lang="en-US" dirty="0" smtClean="0"/>
-              <a:t>Scanning Techniques</a:t>
-            </a:r>
-            <a:endParaRPr lang="en-US" dirty="0"/>
-          </a:p>
-        </p:txBody>
-      </p:sp>
-      <p:sp>
-        <p:nvSpPr>
-          <p:cNvPr id="3" name="Content Placeholder 2"/>
-          <p:cNvSpPr>
-            <a:spLocks noGrp="1"/>
-          </p:cNvSpPr>
-          <p:nvPr>
-            <p:ph idx="1"/>
-          </p:nvPr>
-        </p:nvSpPr>
-        <p:spPr/>
-        <p:txBody>
-          <a:bodyPr>
-            <a:normAutofit fontScale="92500" lnSpcReduction="10000"/>
-          </a:bodyPr>
-          <a:lstStyle/>
-          <a:p>
-            <a:r>
-              <a:rPr lang="en-US" dirty="0" smtClean="0"/>
-              <a:t>Existing methods include</a:t>
-            </a:r>
-          </a:p>
-          <a:p>
-            <a:pPr lvl="1"/>
-            <a:r>
-              <a:rPr lang="en-US" sz="2353" dirty="0" smtClean="0"/>
-              <a:t>Structured Light</a:t>
-            </a:r>
-          </a:p>
-          <a:p>
-            <a:pPr lvl="1"/>
-            <a:r>
-              <a:rPr lang="en-US" sz="2353" dirty="0" smtClean="0"/>
-              <a:t>Image Reconstruction</a:t>
-            </a:r>
-          </a:p>
-          <a:p>
-            <a:pPr lvl="1"/>
-            <a:r>
-              <a:rPr lang="en-US" sz="2353" dirty="0" smtClean="0"/>
-              <a:t>Laser Time of Flight</a:t>
-            </a:r>
-          </a:p>
-          <a:p>
-            <a:pPr lvl="1"/>
-            <a:r>
-              <a:rPr lang="en-US" sz="2353" dirty="0" smtClean="0"/>
-              <a:t>Laser Triangulation</a:t>
-            </a:r>
-          </a:p>
-          <a:p>
-            <a:pPr lvl="1"/>
-            <a:r>
-              <a:rPr lang="en-US" sz="2353" dirty="0" smtClean="0"/>
-              <a:t>Computed Tomography</a:t>
-            </a:r>
-          </a:p>
-          <a:p>
-            <a:pPr lvl="1"/>
-            <a:r>
-              <a:rPr lang="en-US" sz="2353" dirty="0" smtClean="0"/>
-              <a:t>Serial Sectioning</a:t>
-            </a:r>
-          </a:p>
-          <a:p>
-            <a:pPr lvl="1"/>
-            <a:r>
-              <a:rPr lang="en-US" sz="2353" dirty="0" smtClean="0"/>
-              <a:t>Contact Scanning</a:t>
-            </a:r>
-          </a:p>
-          <a:p>
-            <a:r>
-              <a:rPr lang="en-US" dirty="0" smtClean="0"/>
-              <a:t>Recent interest in 3D scanning has spurred academic research advances, particularly in structured light and image reconstruction</a:t>
-            </a:r>
-            <a:endParaRPr lang="en-US" dirty="0"/>
-          </a:p>
-        </p:txBody>
-      </p:sp>
-    </p:spTree>
-  </p:cSld>
-  <p:clrMapOvr>
-    <a:masterClrMapping/>
-  </p:clrMapOvr>
-</p:sld>
-</file>
-
-<file path=ppt/slides/slide6.xml><?xml version="1.0" encoding="utf-8"?>
-<p:sld xmlns:a="http://schemas.openxmlformats.org/drawingml/2006/main" xmlns:r="http://schemas.openxmlformats.org/officeDocument/2006/relationships" xmlns:p="http://schemas.openxmlformats.org/presentationml/2006/main">
-  <p:cSld>
-    <p:spTree>
-      <p:nvGrpSpPr>
-        <p:cNvPr id="1" name=""/>
-        <p:cNvGrpSpPr/>
-        <p:nvPr/>
-      </p:nvGrpSpPr>
-      <p:grpSpPr>
-        <a:xfrm>
-          <a:off x="0" y="0"/>
-          <a:ext cx="0" cy="0"/>
-          <a:chOff x="0" y="0"/>
-          <a:chExt cx="0" cy="0"/>
-        </a:xfrm>
-      </p:grpSpPr>
-      <p:sp>
-        <p:nvSpPr>
-          <p:cNvPr id="2" name="Title 1"/>
-          <p:cNvSpPr>
-            <a:spLocks noGrp="1"/>
-          </p:cNvSpPr>
-          <p:nvPr>
-            <p:ph type="title"/>
-          </p:nvPr>
-        </p:nvSpPr>
-        <p:spPr/>
-        <p:txBody>
-          <a:bodyPr/>
-          <a:lstStyle/>
-          <a:p>
-            <a:r>
-              <a:rPr lang="en-US" dirty="0" smtClean="0"/>
-              <a:t>Structured Light Scanning</a:t>
-            </a:r>
-            <a:endParaRPr lang="en-US" dirty="0"/>
-          </a:p>
-        </p:txBody>
-      </p:sp>
-      <p:sp>
-        <p:nvSpPr>
-          <p:cNvPr id="3" name="Content Placeholder 2"/>
-          <p:cNvSpPr>
-            <a:spLocks noGrp="1"/>
-          </p:cNvSpPr>
-          <p:nvPr>
-            <p:ph idx="1"/>
-          </p:nvPr>
-        </p:nvSpPr>
-        <p:spPr/>
-        <p:txBody>
-          <a:bodyPr>
-            <a:normAutofit/>
-          </a:bodyPr>
-          <a:lstStyle/>
-          <a:p>
-            <a:pPr marL="514350" indent="-514350">
-              <a:buFont typeface="+mj-lt"/>
-              <a:buAutoNum type="arabicPeriod"/>
-            </a:pPr>
-            <a:r>
-              <a:rPr lang="en-US" sz="2800" dirty="0" smtClean="0"/>
-              <a:t>Known light pattern is projected onto scene</a:t>
-            </a:r>
-          </a:p>
-          <a:p>
-            <a:pPr marL="514350" indent="-514350">
-              <a:buFont typeface="+mj-lt"/>
-              <a:buAutoNum type="arabicPeriod"/>
-            </a:pPr>
-            <a:r>
-              <a:rPr lang="en-US" sz="2800" dirty="0" smtClean="0"/>
-              <a:t>Scene is imaged using one or more cameras</a:t>
-            </a:r>
-          </a:p>
-          <a:p>
-            <a:pPr marL="514350" indent="-514350">
-              <a:buFont typeface="+mj-lt"/>
-              <a:buAutoNum type="arabicPeriod"/>
-            </a:pPr>
-            <a:r>
-              <a:rPr lang="en-US" sz="2800" dirty="0" smtClean="0"/>
-              <a:t>Point cloud calculated by triangulation</a:t>
-            </a:r>
-          </a:p>
-        </p:txBody>
-      </p:sp>
-      <p:pic>
-        <p:nvPicPr>
-          <p:cNvPr id="4" name="Picture 3" descr="Screen Shot 2013-03-04 at 10.39.05 PM.png"/>
-          <p:cNvPicPr>
-            <a:picLocks noChangeAspect="1"/>
-          </p:cNvPicPr>
-          <p:nvPr/>
-        </p:nvPicPr>
-        <p:blipFill>
-          <a:blip r:embed="rId2"/>
-          <a:stretch>
-            <a:fillRect/>
-          </a:stretch>
-        </p:blipFill>
-        <p:spPr>
-          <a:xfrm>
-            <a:off x="502555" y="3628563"/>
-            <a:ext cx="3697514" cy="2458938"/>
-          </a:xfrm>
-          <a:prstGeom prst="rect">
-            <a:avLst/>
-          </a:prstGeom>
-          <a:solidFill>
-            <a:srgbClr val="FFFFFF">
-              <a:shade val="85000"/>
-            </a:srgbClr>
-          </a:solidFill>
-          <a:ln w="88900" cap="sq">
-            <a:solidFill>
-              <a:srgbClr val="FFFFFF"/>
-            </a:solidFill>
-            <a:miter lim="800000"/>
-          </a:ln>
-          <a:effectLst>
-            <a:outerShdw blurRad="55000" dist="18000" dir="5400000" algn="tl" rotWithShape="0">
-              <a:srgbClr val="000000">
-                <a:alpha val="40000"/>
-              </a:srgbClr>
-            </a:outerShdw>
-          </a:effectLst>
-          <a:scene3d>
-            <a:camera prst="orthographicFront"/>
-            <a:lightRig rig="twoPt" dir="t">
-              <a:rot lat="0" lon="0" rev="7200000"/>
-            </a:lightRig>
-          </a:scene3d>
-          <a:sp3d>
-            <a:bevelT w="25400" h="19050"/>
-            <a:contourClr>
-              <a:srgbClr val="FFFFFF"/>
-            </a:contourClr>
-          </a:sp3d>
-        </p:spPr>
-      </p:pic>
-      <p:pic>
-        <p:nvPicPr>
-          <p:cNvPr id="6" name="Picture 5" descr="Screen Shot 2013-03-04 at 10.40.15 PM.png"/>
-          <p:cNvPicPr>
-            <a:picLocks noChangeAspect="1"/>
-          </p:cNvPicPr>
-          <p:nvPr/>
-        </p:nvPicPr>
-        <p:blipFill>
-          <a:blip r:embed="rId3"/>
-          <a:stretch>
-            <a:fillRect/>
-          </a:stretch>
-        </p:blipFill>
-        <p:spPr>
-          <a:xfrm>
-            <a:off x="4765018" y="3628563"/>
-            <a:ext cx="3885498" cy="2458938"/>
-          </a:xfrm>
-          <a:prstGeom prst="rect">
-            <a:avLst/>
-          </a:prstGeom>
-          <a:solidFill>
-            <a:srgbClr val="FFFFFF">
-              <a:shade val="85000"/>
-            </a:srgbClr>
-          </a:solidFill>
-          <a:ln w="88900" cap="sq">
-            <a:solidFill>
-              <a:srgbClr val="FFFFFF"/>
-            </a:solidFill>
-            <a:miter lim="800000"/>
-          </a:ln>
-          <a:effectLst>
-            <a:outerShdw blurRad="55000" dist="18000" dir="5400000" algn="tl" rotWithShape="0">
-              <a:srgbClr val="000000">
-                <a:alpha val="40000"/>
-              </a:srgbClr>
-            </a:outerShdw>
-          </a:effectLst>
-          <a:scene3d>
-            <a:camera prst="orthographicFront"/>
-            <a:lightRig rig="twoPt" dir="t">
-              <a:rot lat="0" lon="0" rev="7200000"/>
-            </a:lightRig>
-          </a:scene3d>
-          <a:sp3d>
-            <a:bevelT w="25400" h="19050"/>
-            <a:contourClr>
-              <a:srgbClr val="FFFFFF"/>
-            </a:contourClr>
-          </a:sp3d>
-        </p:spPr>
-      </p:pic>
-      <p:sp>
-        <p:nvSpPr>
-          <p:cNvPr id="7" name="Rectangle 6"/>
-          <p:cNvSpPr/>
-          <p:nvPr/>
-        </p:nvSpPr>
-        <p:spPr>
-          <a:xfrm>
-            <a:off x="457200" y="6268357"/>
-            <a:ext cx="8229600" cy="400110"/>
-          </a:xfrm>
-          <a:prstGeom prst="rect">
-            <a:avLst/>
-          </a:prstGeom>
-        </p:spPr>
-        <p:txBody>
-          <a:bodyPr wrap="square">
-            <a:spAutoFit/>
-          </a:bodyPr>
-          <a:lstStyle/>
-          <a:p>
-            <a:pPr algn="ctr"/>
-            <a:r>
-              <a:rPr lang="en-US" sz="1000" i="1" dirty="0" smtClean="0"/>
-              <a:t>Images from Douglas </a:t>
-            </a:r>
-            <a:r>
-              <a:rPr lang="en-US" sz="1000" i="1" dirty="0" err="1" smtClean="0"/>
-              <a:t>Lanman</a:t>
-            </a:r>
-            <a:r>
-              <a:rPr lang="en-US" sz="1000" i="1" dirty="0" smtClean="0"/>
-              <a:t> and Gabriel </a:t>
-            </a:r>
-            <a:r>
-              <a:rPr lang="en-US" sz="1000" i="1" dirty="0" err="1" smtClean="0"/>
-              <a:t>Taubin's</a:t>
-            </a:r>
-            <a:r>
-              <a:rPr lang="en-US" sz="1000" i="1" dirty="0" smtClean="0"/>
-              <a:t> SIGGRAPH 2009 Course Notes accessed on 3/4/2013 at</a:t>
-            </a:r>
-          </a:p>
-          <a:p>
-            <a:pPr algn="ctr"/>
-            <a:r>
-              <a:rPr lang="en-US" sz="1000" i="1" dirty="0" smtClean="0"/>
-              <a:t>http://mesh.brown.edu/byo3d/notes.html</a:t>
-            </a:r>
-            <a:endParaRPr lang="en-US" sz="1000" i="1" dirty="0"/>
-          </a:p>
-        </p:txBody>
-      </p:sp>
-    </p:spTree>
-  </p:cSld>
-  <p:clrMapOvr>
-    <a:masterClrMapping/>
-  </p:clrMapOvr>
-</p:sld>
-</file>
-
-<file path=ppt/slides/slide7.xml><?xml version="1.0" encoding="utf-8"?>
-<p:sld xmlns:a="http://schemas.openxmlformats.org/drawingml/2006/main" xmlns:r="http://schemas.openxmlformats.org/officeDocument/2006/relationships" xmlns:p="http://schemas.openxmlformats.org/presentationml/2006/main">
-  <p:cSld>
-    <p:spTree>
-      <p:nvGrpSpPr>
-        <p:cNvPr id="1" name=""/>
-        <p:cNvGrpSpPr/>
-        <p:nvPr/>
-      </p:nvGrpSpPr>
-      <p:grpSpPr>
-        <a:xfrm>
-          <a:off x="0" y="0"/>
-          <a:ext cx="0" cy="0"/>
-          <a:chOff x="0" y="0"/>
-          <a:chExt cx="0" cy="0"/>
-        </a:xfrm>
-      </p:grpSpPr>
-      <p:sp>
-        <p:nvSpPr>
-          <p:cNvPr id="2" name="Title 1"/>
-          <p:cNvSpPr>
-            <a:spLocks noGrp="1"/>
-          </p:cNvSpPr>
-          <p:nvPr>
-            <p:ph type="title"/>
-          </p:nvPr>
-        </p:nvSpPr>
-        <p:spPr/>
-        <p:txBody>
-          <a:bodyPr/>
-          <a:lstStyle/>
-          <a:p>
-            <a:r>
-              <a:rPr lang="en-US" dirty="0" smtClean="0"/>
-              <a:t>Product Goals</a:t>
-            </a:r>
-            <a:endParaRPr lang="en-US" dirty="0"/>
-          </a:p>
-        </p:txBody>
-      </p:sp>
-      <p:sp>
-        <p:nvSpPr>
-          <p:cNvPr id="3" name="Content Placeholder 2"/>
-          <p:cNvSpPr>
-            <a:spLocks noGrp="1"/>
-          </p:cNvSpPr>
-          <p:nvPr>
-            <p:ph idx="1"/>
-          </p:nvPr>
-        </p:nvSpPr>
-        <p:spPr/>
-        <p:txBody>
-          <a:bodyPr>
-            <a:normAutofit/>
-          </a:bodyPr>
-          <a:lstStyle/>
-          <a:p>
-            <a:r>
-              <a:rPr lang="en-US" b="1" dirty="0" smtClean="0"/>
-              <a:t>Accurate</a:t>
-            </a:r>
-          </a:p>
-          <a:p>
-            <a:pPr lvl="1"/>
-            <a:r>
-              <a:rPr lang="en-US" sz="2065" dirty="0" smtClean="0"/>
-              <a:t>0.025 mm accuracy</a:t>
-            </a:r>
-          </a:p>
-          <a:p>
-            <a:pPr lvl="1"/>
-            <a:r>
-              <a:rPr lang="en-US" sz="2065" dirty="0" smtClean="0"/>
-              <a:t>This level of precision comparable to or better than most manufacturing processes</a:t>
-            </a:r>
-          </a:p>
-          <a:p>
-            <a:r>
-              <a:rPr lang="en-US" b="1" dirty="0" smtClean="0"/>
-              <a:t>Low-cost –</a:t>
-            </a:r>
-            <a:r>
-              <a:rPr lang="en-US" dirty="0" smtClean="0"/>
-              <a:t> </a:t>
-            </a:r>
-            <a:r>
-              <a:rPr lang="en-US" sz="2118" dirty="0" smtClean="0"/>
-              <a:t>less than $500</a:t>
-            </a:r>
-          </a:p>
-          <a:p>
-            <a:r>
-              <a:rPr lang="en-US" b="1" dirty="0" smtClean="0"/>
-              <a:t>Usable</a:t>
-            </a:r>
-          </a:p>
-          <a:p>
-            <a:pPr lvl="1"/>
-            <a:r>
-              <a:rPr lang="en-US" sz="2118" dirty="0"/>
-              <a:t>I</a:t>
-            </a:r>
-            <a:r>
-              <a:rPr lang="en-US" sz="2118" dirty="0" smtClean="0"/>
-              <a:t>ntuitive website and software UI</a:t>
-            </a:r>
-          </a:p>
-          <a:p>
-            <a:pPr lvl="1"/>
-            <a:r>
-              <a:rPr lang="en-US" sz="2118" dirty="0"/>
-              <a:t>C</a:t>
-            </a:r>
-            <a:r>
-              <a:rPr lang="en-US" sz="2118" dirty="0" smtClean="0"/>
-              <a:t>omputer-controlled </a:t>
-            </a:r>
-            <a:r>
-              <a:rPr lang="en-US" sz="2118" dirty="0" smtClean="0"/>
-              <a:t>calibration</a:t>
-            </a:r>
-            <a:endParaRPr lang="en-US" sz="2118" dirty="0" smtClean="0"/>
-          </a:p>
-          <a:p>
-            <a:r>
-              <a:rPr lang="en-US" sz="3176" b="1" dirty="0" smtClean="0"/>
-              <a:t>Co</a:t>
-            </a:r>
-            <a:r>
-              <a:rPr lang="en-US" b="1" dirty="0" smtClean="0"/>
-              <a:t>mpact –</a:t>
-            </a:r>
-            <a:r>
-              <a:rPr lang="en-US" dirty="0" smtClean="0"/>
-              <a:t> </a:t>
-            </a:r>
-            <a:r>
-              <a:rPr lang="en-US" sz="2118" dirty="0" smtClean="0"/>
-              <a:t>fits on top of a desk</a:t>
-            </a:r>
-          </a:p>
-        </p:txBody>
-      </p:sp>
-    </p:spTree>
-  </p:cSld>
-  <p:clrMapOvr>
-    <a:masterClrMapping/>
-  </p:clrMapOvr>
-</p:sld>
-</file>
-
-<file path=ppt/slides/slide8.xml><?xml version="1.0" encoding="utf-8"?>
-<p:sld xmlns:a="http://schemas.openxmlformats.org/drawingml/2006/main" xmlns:r="http://schemas.openxmlformats.org/officeDocument/2006/relationships" xmlns:p="http://schemas.openxmlformats.org/presentationml/2006/main">
-  <p:cSld>
-    <p:spTree>
-      <p:nvGrpSpPr>
-        <p:cNvPr id="1" name=""/>
-        <p:cNvGrpSpPr/>
-        <p:nvPr/>
-      </p:nvGrpSpPr>
-      <p:grpSpPr>
-        <a:xfrm>
-          <a:off x="0" y="0"/>
-          <a:ext cx="0" cy="0"/>
-          <a:chOff x="0" y="0"/>
-          <a:chExt cx="0" cy="0"/>
-        </a:xfrm>
-      </p:grpSpPr>
-      <p:sp>
-        <p:nvSpPr>
-          <p:cNvPr id="2" name="Title 1"/>
-          <p:cNvSpPr>
-            <a:spLocks noGrp="1"/>
-          </p:cNvSpPr>
-          <p:nvPr>
-            <p:ph type="title"/>
-          </p:nvPr>
-        </p:nvSpPr>
-        <p:spPr/>
-        <p:txBody>
-          <a:bodyPr/>
-          <a:lstStyle/>
-          <a:p>
-            <a:r>
-              <a:rPr lang="en-US" dirty="0" smtClean="0"/>
               <a:t>Our Team</a:t>
             </a:r>
             <a:endParaRPr lang="en-US" dirty="0"/>
@@ -4775,7 +3675,7 @@
         <p:spPr>
           <a:xfrm>
             <a:off x="2873137" y="5048840"/>
-            <a:ext cx="2383578" cy="1231106"/>
+            <a:ext cx="2383578" cy="1015663"/>
           </a:xfrm>
           <a:prstGeom prst="rect">
             <a:avLst/>
@@ -4810,7 +3710,7 @@
             </a:r>
             <a:r>
               <a:rPr lang="en-US" sz="1400" dirty="0" smtClean="0"/>
-              <a:t> Mech. Eng.</a:t>
+              <a:t> Mech. Eng. &amp; EECS</a:t>
             </a:r>
           </a:p>
           <a:p>
@@ -4820,7 +3720,7 @@
             </a:r>
             <a:r>
               <a:rPr lang="en-US" sz="1400" dirty="0" smtClean="0"/>
-              <a:t> Mechanical Engineering</a:t>
+              <a:t> Vision/Embedded System</a:t>
             </a:r>
             <a:endParaRPr lang="en-US" sz="1400" dirty="0"/>
           </a:p>
@@ -4835,7 +3735,7 @@
         <p:spPr>
           <a:xfrm>
             <a:off x="5961795" y="3309911"/>
-            <a:ext cx="2383578" cy="1231106"/>
+            <a:ext cx="2383578" cy="1015663"/>
           </a:xfrm>
           <a:prstGeom prst="rect">
             <a:avLst/>
@@ -4880,7 +3780,7 @@
             </a:r>
             <a:r>
               <a:rPr lang="en-US" sz="1400" dirty="0" smtClean="0"/>
-              <a:t> Mechanical &amp; Electrical Engineering</a:t>
+              <a:t> Projection System</a:t>
             </a:r>
             <a:endParaRPr lang="en-US" sz="1400" dirty="0"/>
           </a:p>
@@ -5043,6 +3943,1412 @@
 </p:sld>
 </file>
 
+<file path=ppt/slides/slide11.xml><?xml version="1.0" encoding="utf-8"?>
+<p:sld xmlns:a="http://schemas.openxmlformats.org/drawingml/2006/main" xmlns:r="http://schemas.openxmlformats.org/officeDocument/2006/relationships" xmlns:p="http://schemas.openxmlformats.org/presentationml/2006/main">
+  <p:cSld>
+    <p:spTree>
+      <p:nvGrpSpPr>
+        <p:cNvPr id="1" name=""/>
+        <p:cNvGrpSpPr/>
+        <p:nvPr/>
+      </p:nvGrpSpPr>
+      <p:grpSpPr>
+        <a:xfrm>
+          <a:off x="0" y="0"/>
+          <a:ext cx="0" cy="0"/>
+          <a:chOff x="0" y="0"/>
+          <a:chExt cx="0" cy="0"/>
+        </a:xfrm>
+      </p:grpSpPr>
+      <p:sp>
+        <p:nvSpPr>
+          <p:cNvPr id="2" name="Title 1"/>
+          <p:cNvSpPr>
+            <a:spLocks noGrp="1"/>
+          </p:cNvSpPr>
+          <p:nvPr>
+            <p:ph type="title"/>
+          </p:nvPr>
+        </p:nvSpPr>
+        <p:spPr/>
+        <p:txBody>
+          <a:bodyPr/>
+          <a:lstStyle/>
+          <a:p>
+            <a:r>
+              <a:rPr lang="en-US" dirty="0" smtClean="0"/>
+              <a:t>Our Current State</a:t>
+            </a:r>
+            <a:endParaRPr lang="en-US" dirty="0"/>
+          </a:p>
+        </p:txBody>
+      </p:sp>
+      <p:sp>
+        <p:nvSpPr>
+          <p:cNvPr id="3" name="Content Placeholder 2"/>
+          <p:cNvSpPr>
+            <a:spLocks noGrp="1"/>
+          </p:cNvSpPr>
+          <p:nvPr>
+            <p:ph idx="1"/>
+          </p:nvPr>
+        </p:nvSpPr>
+        <p:spPr>
+          <a:xfrm>
+            <a:off x="457200" y="1600200"/>
+            <a:ext cx="7879976" cy="4525963"/>
+          </a:xfrm>
+        </p:spPr>
+        <p:txBody>
+          <a:bodyPr>
+            <a:normAutofit lnSpcReduction="10000"/>
+          </a:bodyPr>
+          <a:lstStyle/>
+          <a:p>
+            <a:r>
+              <a:rPr lang="en-US" dirty="0" smtClean="0"/>
+              <a:t>Working towards completing a scan using a DLP Projector </a:t>
+            </a:r>
+          </a:p>
+          <a:p>
+            <a:r>
+              <a:rPr lang="en-US" dirty="0" smtClean="0"/>
+              <a:t>Confident an array of cheap pinhole CMOS cameras can provide desired cost and accuracy</a:t>
+            </a:r>
+          </a:p>
+          <a:p>
+            <a:r>
+              <a:rPr lang="en-US" dirty="0" smtClean="0"/>
+              <a:t>DLP Projector is cost driver – low-cost alternatives to DLP Projection include:</a:t>
+            </a:r>
+          </a:p>
+          <a:p>
+            <a:pPr lvl="1"/>
+            <a:r>
+              <a:rPr lang="en-US" dirty="0" smtClean="0"/>
+              <a:t>Fixed and moving gratings over collimated light</a:t>
+            </a:r>
+            <a:endParaRPr lang="en-US" dirty="0"/>
+          </a:p>
+          <a:p>
+            <a:pPr lvl="1"/>
+            <a:r>
+              <a:rPr lang="en-US" dirty="0" smtClean="0"/>
+              <a:t>Optical interference fringes</a:t>
+            </a:r>
+          </a:p>
+          <a:p>
+            <a:pPr lvl="1"/>
+            <a:endParaRPr lang="en-US" dirty="0"/>
+          </a:p>
+        </p:txBody>
+      </p:sp>
+    </p:spTree>
+  </p:cSld>
+  <p:clrMapOvr>
+    <a:masterClrMapping/>
+  </p:clrMapOvr>
+</p:sld>
+</file>
+
+<file path=ppt/slides/slide12.xml><?xml version="1.0" encoding="utf-8"?>
+<p:sld xmlns:a="http://schemas.openxmlformats.org/drawingml/2006/main" xmlns:r="http://schemas.openxmlformats.org/officeDocument/2006/relationships" xmlns:p="http://schemas.openxmlformats.org/presentationml/2006/main">
+  <p:cSld>
+    <p:spTree>
+      <p:nvGrpSpPr>
+        <p:cNvPr id="1" name=""/>
+        <p:cNvGrpSpPr/>
+        <p:nvPr/>
+      </p:nvGrpSpPr>
+      <p:grpSpPr>
+        <a:xfrm>
+          <a:off x="0" y="0"/>
+          <a:ext cx="0" cy="0"/>
+          <a:chOff x="0" y="0"/>
+          <a:chExt cx="0" cy="0"/>
+        </a:xfrm>
+      </p:grpSpPr>
+      <p:sp>
+        <p:nvSpPr>
+          <p:cNvPr id="2" name="Title 1"/>
+          <p:cNvSpPr>
+            <a:spLocks noGrp="1"/>
+          </p:cNvSpPr>
+          <p:nvPr>
+            <p:ph type="title"/>
+          </p:nvPr>
+        </p:nvSpPr>
+        <p:spPr/>
+        <p:txBody>
+          <a:bodyPr/>
+          <a:lstStyle/>
+          <a:p>
+            <a:r>
+              <a:rPr lang="en-US" dirty="0" smtClean="0"/>
+              <a:t>Next Steps</a:t>
+            </a:r>
+            <a:endParaRPr lang="en-US" dirty="0"/>
+          </a:p>
+        </p:txBody>
+      </p:sp>
+      <p:sp>
+        <p:nvSpPr>
+          <p:cNvPr id="3" name="Content Placeholder 2"/>
+          <p:cNvSpPr>
+            <a:spLocks noGrp="1"/>
+          </p:cNvSpPr>
+          <p:nvPr>
+            <p:ph idx="1"/>
+          </p:nvPr>
+        </p:nvSpPr>
+        <p:spPr/>
+        <p:txBody>
+          <a:bodyPr>
+            <a:normAutofit/>
+          </a:bodyPr>
+          <a:lstStyle/>
+          <a:p>
+            <a:r>
+              <a:rPr lang="en-US" dirty="0" smtClean="0"/>
+              <a:t>Prototype Prototype Prototype!</a:t>
+            </a:r>
+          </a:p>
+          <a:p>
+            <a:r>
+              <a:rPr lang="en-US" dirty="0" smtClean="0"/>
+              <a:t>Validate viability of low-cost projection alternatives</a:t>
+            </a:r>
+          </a:p>
+          <a:p>
+            <a:r>
+              <a:rPr lang="en-US" dirty="0" smtClean="0"/>
+              <a:t>Explore algorithmic methods for combining multiple scanning methods and reducing error</a:t>
+            </a:r>
+          </a:p>
+        </p:txBody>
+      </p:sp>
+    </p:spTree>
+  </p:cSld>
+  <p:clrMapOvr>
+    <a:masterClrMapping/>
+  </p:clrMapOvr>
+</p:sld>
+</file>
+
+<file path=ppt/slides/slide2.xml><?xml version="1.0" encoding="utf-8"?>
+<p:sld xmlns:a="http://schemas.openxmlformats.org/drawingml/2006/main" xmlns:r="http://schemas.openxmlformats.org/officeDocument/2006/relationships" xmlns:p="http://schemas.openxmlformats.org/presentationml/2006/main">
+  <p:cSld>
+    <p:spTree>
+      <p:nvGrpSpPr>
+        <p:cNvPr id="1" name=""/>
+        <p:cNvGrpSpPr/>
+        <p:nvPr/>
+      </p:nvGrpSpPr>
+      <p:grpSpPr>
+        <a:xfrm>
+          <a:off x="0" y="0"/>
+          <a:ext cx="0" cy="0"/>
+          <a:chOff x="0" y="0"/>
+          <a:chExt cx="0" cy="0"/>
+        </a:xfrm>
+      </p:grpSpPr>
+      <p:sp>
+        <p:nvSpPr>
+          <p:cNvPr id="2" name="Title 1"/>
+          <p:cNvSpPr>
+            <a:spLocks noGrp="1"/>
+          </p:cNvSpPr>
+          <p:nvPr>
+            <p:ph type="title"/>
+          </p:nvPr>
+        </p:nvSpPr>
+        <p:spPr/>
+        <p:txBody>
+          <a:bodyPr/>
+          <a:lstStyle/>
+          <a:p>
+            <a:r>
+              <a:rPr lang="en-US" dirty="0" smtClean="0"/>
+              <a:t>Problem</a:t>
+            </a:r>
+            <a:endParaRPr lang="en-US" dirty="0"/>
+          </a:p>
+        </p:txBody>
+      </p:sp>
+      <p:sp>
+        <p:nvSpPr>
+          <p:cNvPr id="3" name="Content Placeholder 2"/>
+          <p:cNvSpPr>
+            <a:spLocks noGrp="1"/>
+          </p:cNvSpPr>
+          <p:nvPr>
+            <p:ph idx="1"/>
+          </p:nvPr>
+        </p:nvSpPr>
+        <p:spPr/>
+        <p:txBody>
+          <a:bodyPr/>
+          <a:lstStyle/>
+          <a:p>
+            <a:endParaRPr lang="en-US" dirty="0" smtClean="0"/>
+          </a:p>
+          <a:p>
+            <a:r>
+              <a:rPr lang="en-US" dirty="0" smtClean="0"/>
+              <a:t>Physical measurement techniques are time consuming and provide incomplete information about the object of interest</a:t>
+            </a:r>
+          </a:p>
+          <a:p>
+            <a:endParaRPr lang="en-US" dirty="0" smtClean="0"/>
+          </a:p>
+          <a:p>
+            <a:r>
+              <a:rPr lang="en-US" dirty="0" smtClean="0"/>
+              <a:t>Existing 3D scanners are inaccessible to ___</a:t>
+            </a:r>
+            <a:endParaRPr lang="en-US" dirty="0"/>
+          </a:p>
+        </p:txBody>
+      </p:sp>
+    </p:spTree>
+    <p:extLst>
+      <p:ext uri="{BB962C8B-B14F-4D97-AF65-F5344CB8AC3E}">
+        <p14:creationId xmlns:p14="http://schemas.microsoft.com/office/powerpoint/2010/main" val="188229173"/>
+      </p:ext>
+    </p:extLst>
+  </p:cSld>
+  <p:clrMapOvr>
+    <a:masterClrMapping/>
+  </p:clrMapOvr>
+</p:sld>
+</file>
+
+<file path=ppt/slides/slide3.xml><?xml version="1.0" encoding="utf-8"?>
+<p:sld xmlns:a="http://schemas.openxmlformats.org/drawingml/2006/main" xmlns:r="http://schemas.openxmlformats.org/officeDocument/2006/relationships" xmlns:p="http://schemas.openxmlformats.org/presentationml/2006/main">
+  <p:cSld>
+    <p:spTree>
+      <p:nvGrpSpPr>
+        <p:cNvPr id="1" name=""/>
+        <p:cNvGrpSpPr/>
+        <p:nvPr/>
+      </p:nvGrpSpPr>
+      <p:grpSpPr>
+        <a:xfrm>
+          <a:off x="0" y="0"/>
+          <a:ext cx="0" cy="0"/>
+          <a:chOff x="0" y="0"/>
+          <a:chExt cx="0" cy="0"/>
+        </a:xfrm>
+      </p:grpSpPr>
+      <p:sp>
+        <p:nvSpPr>
+          <p:cNvPr id="2" name="Title 1"/>
+          <p:cNvSpPr>
+            <a:spLocks noGrp="1"/>
+          </p:cNvSpPr>
+          <p:nvPr>
+            <p:ph type="title"/>
+          </p:nvPr>
+        </p:nvSpPr>
+        <p:spPr/>
+        <p:txBody>
+          <a:bodyPr/>
+          <a:lstStyle/>
+          <a:p>
+            <a:r>
+              <a:rPr lang="en-US" dirty="0" smtClean="0"/>
+              <a:t>Vision</a:t>
+            </a:r>
+            <a:endParaRPr lang="en-US" dirty="0"/>
+          </a:p>
+        </p:txBody>
+      </p:sp>
+      <p:sp>
+        <p:nvSpPr>
+          <p:cNvPr id="4" name="TextBox 3"/>
+          <p:cNvSpPr txBox="1"/>
+          <p:nvPr/>
+        </p:nvSpPr>
+        <p:spPr>
+          <a:xfrm>
+            <a:off x="662214" y="1480774"/>
+            <a:ext cx="8024586" cy="4462760"/>
+          </a:xfrm>
+          <a:prstGeom prst="rect">
+            <a:avLst/>
+          </a:prstGeom>
+          <a:noFill/>
+        </p:spPr>
+        <p:txBody>
+          <a:bodyPr wrap="square" rtlCol="0">
+            <a:spAutoFit/>
+          </a:bodyPr>
+          <a:lstStyle/>
+          <a:p>
+            <a:r>
+              <a:rPr lang="en-US" sz="3200" dirty="0"/>
+              <a:t>Our Goal:</a:t>
+            </a:r>
+          </a:p>
+          <a:p>
+            <a:endParaRPr lang="en-US" sz="2400" dirty="0"/>
+          </a:p>
+          <a:p>
+            <a:pPr marL="457200"/>
+            <a:r>
+              <a:rPr lang="en-US" sz="2400" dirty="0"/>
+              <a:t>We will develop an affordable, accurate, and easy-to-use 3D scanner for individuals and small businesses in measurement, design, art and manufacturing.</a:t>
+            </a:r>
+          </a:p>
+          <a:p>
+            <a:endParaRPr lang="en-US" sz="3200" dirty="0"/>
+          </a:p>
+          <a:p>
+            <a:r>
+              <a:rPr lang="en-US" sz="3200" dirty="0" smtClean="0"/>
+              <a:t>Our </a:t>
+            </a:r>
+            <a:r>
+              <a:rPr lang="en-US" sz="3200" dirty="0" smtClean="0"/>
+              <a:t>Vision:</a:t>
+            </a:r>
+            <a:endParaRPr lang="en-US" sz="2800" dirty="0" smtClean="0"/>
+          </a:p>
+          <a:p>
+            <a:pPr marL="457200"/>
+            <a:endParaRPr lang="en-US" sz="2400" dirty="0"/>
+          </a:p>
+          <a:p>
+            <a:pPr marL="457200"/>
+            <a:r>
+              <a:rPr lang="en-US" sz="2400" dirty="0" smtClean="0"/>
+              <a:t>To make 3D scanners as ubiquitous as power tools: a standard piece of </a:t>
+            </a:r>
+            <a:r>
+              <a:rPr lang="en-US" sz="2400" dirty="0"/>
+              <a:t>equipment in every shop, studio, and lab</a:t>
+            </a:r>
+            <a:endParaRPr lang="en-US" sz="2400" dirty="0" smtClean="0"/>
+          </a:p>
+          <a:p>
+            <a:pPr marL="457200"/>
+            <a:endParaRPr lang="en-US" sz="2000" dirty="0"/>
+          </a:p>
+        </p:txBody>
+      </p:sp>
+    </p:spTree>
+  </p:cSld>
+  <p:clrMapOvr>
+    <a:masterClrMapping/>
+  </p:clrMapOvr>
+  <p:timing>
+    <p:tnLst>
+      <p:par>
+        <p:cTn xmlns:p14="http://schemas.microsoft.com/office/powerpoint/2010/main" id="1" dur="indefinite" restart="never" nodeType="tmRoot"/>
+      </p:par>
+    </p:tnLst>
+  </p:timing>
+</p:sld>
+</file>
+
+<file path=ppt/slides/slide4.xml><?xml version="1.0" encoding="utf-8"?>
+<p:sld xmlns:a="http://schemas.openxmlformats.org/drawingml/2006/main" xmlns:r="http://schemas.openxmlformats.org/officeDocument/2006/relationships" xmlns:p="http://schemas.openxmlformats.org/presentationml/2006/main">
+  <p:cSld>
+    <p:spTree>
+      <p:nvGrpSpPr>
+        <p:cNvPr id="1" name=""/>
+        <p:cNvGrpSpPr/>
+        <p:nvPr/>
+      </p:nvGrpSpPr>
+      <p:grpSpPr>
+        <a:xfrm>
+          <a:off x="0" y="0"/>
+          <a:ext cx="0" cy="0"/>
+          <a:chOff x="0" y="0"/>
+          <a:chExt cx="0" cy="0"/>
+        </a:xfrm>
+      </p:grpSpPr>
+      <p:sp>
+        <p:nvSpPr>
+          <p:cNvPr id="2" name="Title 1"/>
+          <p:cNvSpPr>
+            <a:spLocks noGrp="1"/>
+          </p:cNvSpPr>
+          <p:nvPr>
+            <p:ph type="title"/>
+          </p:nvPr>
+        </p:nvSpPr>
+        <p:spPr/>
+        <p:txBody>
+          <a:bodyPr/>
+          <a:lstStyle/>
+          <a:p>
+            <a:r>
+              <a:rPr lang="en-US" dirty="0" smtClean="0"/>
+              <a:t>Applications</a:t>
+            </a:r>
+            <a:endParaRPr lang="en-US" dirty="0"/>
+          </a:p>
+        </p:txBody>
+      </p:sp>
+      <p:sp>
+        <p:nvSpPr>
+          <p:cNvPr id="3" name="Content Placeholder 2"/>
+          <p:cNvSpPr>
+            <a:spLocks noGrp="1"/>
+          </p:cNvSpPr>
+          <p:nvPr>
+            <p:ph idx="1"/>
+          </p:nvPr>
+        </p:nvSpPr>
+        <p:spPr/>
+        <p:txBody>
+          <a:bodyPr/>
+          <a:lstStyle/>
+          <a:p>
+            <a:endParaRPr lang="en-US" dirty="0"/>
+          </a:p>
+        </p:txBody>
+      </p:sp>
+    </p:spTree>
+    <p:extLst>
+      <p:ext uri="{BB962C8B-B14F-4D97-AF65-F5344CB8AC3E}">
+        <p14:creationId xmlns:p14="http://schemas.microsoft.com/office/powerpoint/2010/main" val="2362228143"/>
+      </p:ext>
+    </p:extLst>
+  </p:cSld>
+  <p:clrMapOvr>
+    <a:masterClrMapping/>
+  </p:clrMapOvr>
+</p:sld>
+</file>
+
+<file path=ppt/slides/slide5.xml><?xml version="1.0" encoding="utf-8"?>
+<p:sld xmlns:a="http://schemas.openxmlformats.org/drawingml/2006/main" xmlns:r="http://schemas.openxmlformats.org/officeDocument/2006/relationships" xmlns:p="http://schemas.openxmlformats.org/presentationml/2006/main">
+  <p:cSld>
+    <p:spTree>
+      <p:nvGrpSpPr>
+        <p:cNvPr id="1" name=""/>
+        <p:cNvGrpSpPr/>
+        <p:nvPr/>
+      </p:nvGrpSpPr>
+      <p:grpSpPr>
+        <a:xfrm>
+          <a:off x="0" y="0"/>
+          <a:ext cx="0" cy="0"/>
+          <a:chOff x="0" y="0"/>
+          <a:chExt cx="0" cy="0"/>
+        </a:xfrm>
+      </p:grpSpPr>
+      <p:sp>
+        <p:nvSpPr>
+          <p:cNvPr id="2" name="Title 1"/>
+          <p:cNvSpPr>
+            <a:spLocks noGrp="1"/>
+          </p:cNvSpPr>
+          <p:nvPr>
+            <p:ph type="title"/>
+          </p:nvPr>
+        </p:nvSpPr>
+        <p:spPr/>
+        <p:txBody>
+          <a:bodyPr/>
+          <a:lstStyle/>
+          <a:p>
+            <a:r>
+              <a:rPr lang="en-US" dirty="0" smtClean="0"/>
+              <a:t>Team + Skill set</a:t>
+            </a:r>
+            <a:endParaRPr lang="en-US" dirty="0"/>
+          </a:p>
+        </p:txBody>
+      </p:sp>
+      <p:sp>
+        <p:nvSpPr>
+          <p:cNvPr id="3" name="Content Placeholder 2"/>
+          <p:cNvSpPr>
+            <a:spLocks noGrp="1"/>
+          </p:cNvSpPr>
+          <p:nvPr>
+            <p:ph idx="1"/>
+          </p:nvPr>
+        </p:nvSpPr>
+        <p:spPr>
+          <a:xfrm>
+            <a:off x="457199" y="4467411"/>
+            <a:ext cx="8343153" cy="2211295"/>
+          </a:xfrm>
+        </p:spPr>
+        <p:txBody>
+          <a:bodyPr>
+            <a:normAutofit/>
+          </a:bodyPr>
+          <a:lstStyle/>
+          <a:p>
+            <a:pPr>
+              <a:lnSpc>
+                <a:spcPct val="110000"/>
+              </a:lnSpc>
+              <a:spcAft>
+                <a:spcPts val="1800"/>
+              </a:spcAft>
+            </a:pPr>
+            <a:r>
+              <a:rPr lang="en-US" sz="2400" dirty="0" smtClean="0"/>
+              <a:t>Troy </a:t>
+            </a:r>
+            <a:r>
+              <a:rPr lang="en-US" sz="2400" dirty="0" err="1" smtClean="0"/>
+              <a:t>Astorino</a:t>
+            </a:r>
+            <a:r>
+              <a:rPr lang="en-US" sz="2400" dirty="0" smtClean="0"/>
+              <a:t>: Programming and robotic systems</a:t>
+            </a:r>
+          </a:p>
+          <a:p>
+            <a:pPr>
+              <a:lnSpc>
+                <a:spcPct val="110000"/>
+              </a:lnSpc>
+              <a:spcAft>
+                <a:spcPts val="1800"/>
+              </a:spcAft>
+            </a:pPr>
+            <a:r>
+              <a:rPr lang="en-US" sz="2400" dirty="0" smtClean="0"/>
+              <a:t>Craig Cheney: Mechanical engineering and embedded systems</a:t>
+            </a:r>
+          </a:p>
+          <a:p>
+            <a:pPr>
+              <a:lnSpc>
+                <a:spcPct val="110000"/>
+              </a:lnSpc>
+              <a:spcAft>
+                <a:spcPts val="1800"/>
+              </a:spcAft>
+            </a:pPr>
+            <a:r>
+              <a:rPr lang="en-US" sz="2400" dirty="0" smtClean="0"/>
+              <a:t>Gus Downs: Optics and signal processing</a:t>
+            </a:r>
+            <a:endParaRPr lang="en-US" sz="2400" dirty="0"/>
+          </a:p>
+        </p:txBody>
+      </p:sp>
+      <p:pic>
+        <p:nvPicPr>
+          <p:cNvPr id="6" name="Picture 5" descr="TeamPic.JPG"/>
+          <p:cNvPicPr>
+            <a:picLocks noChangeAspect="1"/>
+          </p:cNvPicPr>
+          <p:nvPr/>
+        </p:nvPicPr>
+        <p:blipFill rotWithShape="1">
+          <a:blip r:embed="rId2">
+            <a:extLst>
+              <a:ext uri="{28A0092B-C50C-407E-A947-70E740481C1C}">
+                <a14:useLocalDpi xmlns:a14="http://schemas.microsoft.com/office/drawing/2010/main" val="0"/>
+              </a:ext>
+            </a:extLst>
+          </a:blip>
+          <a:srcRect l="6546" t="8687" r="3758" b="43334"/>
+          <a:stretch/>
+        </p:blipFill>
+        <p:spPr>
+          <a:xfrm>
+            <a:off x="1060824" y="1417638"/>
+            <a:ext cx="6633882" cy="2661303"/>
+          </a:xfrm>
+          <a:prstGeom prst="rect">
+            <a:avLst/>
+          </a:prstGeom>
+        </p:spPr>
+      </p:pic>
+    </p:spTree>
+    <p:extLst>
+      <p:ext uri="{BB962C8B-B14F-4D97-AF65-F5344CB8AC3E}">
+        <p14:creationId xmlns:p14="http://schemas.microsoft.com/office/powerpoint/2010/main" val="1884272752"/>
+      </p:ext>
+    </p:extLst>
+  </p:cSld>
+  <p:clrMapOvr>
+    <a:masterClrMapping/>
+  </p:clrMapOvr>
+</p:sld>
+</file>
+
+<file path=ppt/slides/slide6.xml><?xml version="1.0" encoding="utf-8"?>
+<p:sld xmlns:a="http://schemas.openxmlformats.org/drawingml/2006/main" xmlns:r="http://schemas.openxmlformats.org/officeDocument/2006/relationships" xmlns:p="http://schemas.openxmlformats.org/presentationml/2006/main">
+  <p:cSld>
+    <p:spTree>
+      <p:nvGrpSpPr>
+        <p:cNvPr id="1" name=""/>
+        <p:cNvGrpSpPr/>
+        <p:nvPr/>
+      </p:nvGrpSpPr>
+      <p:grpSpPr>
+        <a:xfrm>
+          <a:off x="0" y="0"/>
+          <a:ext cx="0" cy="0"/>
+          <a:chOff x="0" y="0"/>
+          <a:chExt cx="0" cy="0"/>
+        </a:xfrm>
+      </p:grpSpPr>
+      <p:sp>
+        <p:nvSpPr>
+          <p:cNvPr id="2" name="Title 1"/>
+          <p:cNvSpPr>
+            <a:spLocks noGrp="1"/>
+          </p:cNvSpPr>
+          <p:nvPr>
+            <p:ph type="title"/>
+          </p:nvPr>
+        </p:nvSpPr>
+        <p:spPr/>
+        <p:txBody>
+          <a:bodyPr/>
+          <a:lstStyle/>
+          <a:p>
+            <a:r>
+              <a:rPr lang="en-US" dirty="0" smtClean="0"/>
+              <a:t>Technical approach</a:t>
+            </a:r>
+            <a:endParaRPr lang="en-US" dirty="0"/>
+          </a:p>
+        </p:txBody>
+      </p:sp>
+      <p:sp>
+        <p:nvSpPr>
+          <p:cNvPr id="3" name="Content Placeholder 2"/>
+          <p:cNvSpPr>
+            <a:spLocks noGrp="1"/>
+          </p:cNvSpPr>
+          <p:nvPr>
+            <p:ph idx="1"/>
+          </p:nvPr>
+        </p:nvSpPr>
+        <p:spPr>
+          <a:xfrm>
+            <a:off x="457200" y="2363414"/>
+            <a:ext cx="4802094" cy="2402822"/>
+          </a:xfrm>
+        </p:spPr>
+        <p:txBody>
+          <a:bodyPr/>
+          <a:lstStyle/>
+          <a:p>
+            <a:r>
+              <a:rPr lang="en-US" dirty="0"/>
+              <a:t>S</a:t>
+            </a:r>
+            <a:r>
+              <a:rPr lang="en-US" dirty="0" smtClean="0"/>
+              <a:t>tructured light scanning</a:t>
+            </a:r>
+          </a:p>
+          <a:p>
+            <a:r>
+              <a:rPr lang="en-US" dirty="0" smtClean="0"/>
+              <a:t>Inexpensive hardware</a:t>
+            </a:r>
+          </a:p>
+          <a:p>
+            <a:r>
+              <a:rPr lang="en-US" dirty="0" smtClean="0"/>
+              <a:t>Plug-and-play software</a:t>
+            </a:r>
+          </a:p>
+          <a:p>
+            <a:pPr lvl="1"/>
+            <a:endParaRPr lang="en-US" dirty="0" smtClean="0"/>
+          </a:p>
+        </p:txBody>
+      </p:sp>
+      <p:pic>
+        <p:nvPicPr>
+          <p:cNvPr id="4" name="Picture 3" descr="Screen Shot 2013-03-04 at 10.39.05 PM.png"/>
+          <p:cNvPicPr>
+            <a:picLocks noChangeAspect="1"/>
+          </p:cNvPicPr>
+          <p:nvPr/>
+        </p:nvPicPr>
+        <p:blipFill>
+          <a:blip r:embed="rId2"/>
+          <a:stretch>
+            <a:fillRect/>
+          </a:stretch>
+        </p:blipFill>
+        <p:spPr>
+          <a:xfrm>
+            <a:off x="5259294" y="4024714"/>
+            <a:ext cx="3373775" cy="2243643"/>
+          </a:xfrm>
+          <a:prstGeom prst="rect">
+            <a:avLst/>
+          </a:prstGeom>
+          <a:solidFill>
+            <a:srgbClr val="FFFFFF">
+              <a:shade val="85000"/>
+            </a:srgbClr>
+          </a:solidFill>
+          <a:ln w="88900" cap="sq">
+            <a:solidFill>
+              <a:srgbClr val="FFFFFF"/>
+            </a:solidFill>
+            <a:miter lim="800000"/>
+          </a:ln>
+          <a:effectLst>
+            <a:outerShdw blurRad="55000" dist="18000" dir="5400000" algn="tl" rotWithShape="0">
+              <a:srgbClr val="000000">
+                <a:alpha val="40000"/>
+              </a:srgbClr>
+            </a:outerShdw>
+          </a:effectLst>
+          <a:scene3d>
+            <a:camera prst="orthographicFront"/>
+            <a:lightRig rig="twoPt" dir="t">
+              <a:rot lat="0" lon="0" rev="7200000"/>
+            </a:lightRig>
+          </a:scene3d>
+          <a:sp3d>
+            <a:bevelT w="25400" h="19050"/>
+            <a:contourClr>
+              <a:srgbClr val="FFFFFF"/>
+            </a:contourClr>
+          </a:sp3d>
+        </p:spPr>
+      </p:pic>
+      <p:pic>
+        <p:nvPicPr>
+          <p:cNvPr id="5" name="Picture 4" descr="Screen Shot 2013-03-04 at 10.40.15 PM.png"/>
+          <p:cNvPicPr>
+            <a:picLocks noChangeAspect="1"/>
+          </p:cNvPicPr>
+          <p:nvPr/>
+        </p:nvPicPr>
+        <p:blipFill>
+          <a:blip r:embed="rId3"/>
+          <a:stretch>
+            <a:fillRect/>
+          </a:stretch>
+        </p:blipFill>
+        <p:spPr>
+          <a:xfrm>
+            <a:off x="5259293" y="1600200"/>
+            <a:ext cx="3373775" cy="2135094"/>
+          </a:xfrm>
+          <a:prstGeom prst="rect">
+            <a:avLst/>
+          </a:prstGeom>
+          <a:solidFill>
+            <a:srgbClr val="FFFFFF">
+              <a:shade val="85000"/>
+            </a:srgbClr>
+          </a:solidFill>
+          <a:ln w="88900" cap="sq">
+            <a:solidFill>
+              <a:srgbClr val="FFFFFF"/>
+            </a:solidFill>
+            <a:miter lim="800000"/>
+          </a:ln>
+          <a:effectLst>
+            <a:outerShdw blurRad="55000" dist="18000" dir="5400000" algn="tl" rotWithShape="0">
+              <a:srgbClr val="000000">
+                <a:alpha val="40000"/>
+              </a:srgbClr>
+            </a:outerShdw>
+          </a:effectLst>
+          <a:scene3d>
+            <a:camera prst="orthographicFront"/>
+            <a:lightRig rig="twoPt" dir="t">
+              <a:rot lat="0" lon="0" rev="7200000"/>
+            </a:lightRig>
+          </a:scene3d>
+          <a:sp3d>
+            <a:bevelT w="25400" h="19050"/>
+            <a:contourClr>
+              <a:srgbClr val="FFFFFF"/>
+            </a:contourClr>
+          </a:sp3d>
+        </p:spPr>
+      </p:pic>
+      <p:sp>
+        <p:nvSpPr>
+          <p:cNvPr id="6" name="Rectangle 5"/>
+          <p:cNvSpPr/>
+          <p:nvPr/>
+        </p:nvSpPr>
+        <p:spPr>
+          <a:xfrm>
+            <a:off x="158377" y="5868247"/>
+            <a:ext cx="5100916" cy="400110"/>
+          </a:xfrm>
+          <a:prstGeom prst="rect">
+            <a:avLst/>
+          </a:prstGeom>
+        </p:spPr>
+        <p:txBody>
+          <a:bodyPr wrap="square">
+            <a:spAutoFit/>
+          </a:bodyPr>
+          <a:lstStyle/>
+          <a:p>
+            <a:pPr algn="ctr"/>
+            <a:r>
+              <a:rPr lang="en-US" sz="1000" i="1" dirty="0" smtClean="0"/>
+              <a:t>Images from Douglas </a:t>
+            </a:r>
+            <a:r>
+              <a:rPr lang="en-US" sz="1000" i="1" dirty="0" err="1" smtClean="0"/>
+              <a:t>Lanman</a:t>
+            </a:r>
+            <a:r>
+              <a:rPr lang="en-US" sz="1000" i="1" dirty="0" smtClean="0"/>
+              <a:t> and Gabriel </a:t>
+            </a:r>
+            <a:r>
+              <a:rPr lang="en-US" sz="1000" i="1" dirty="0" err="1" smtClean="0"/>
+              <a:t>Taubin's</a:t>
+            </a:r>
+            <a:r>
+              <a:rPr lang="en-US" sz="1000" i="1" dirty="0" smtClean="0"/>
+              <a:t> SIGGRAPH 2009 Course Notes accessed on 3/4/2013 </a:t>
+            </a:r>
+            <a:r>
+              <a:rPr lang="en-US" sz="1000" i="1" dirty="0" smtClean="0"/>
+              <a:t>at http</a:t>
+            </a:r>
+            <a:r>
+              <a:rPr lang="en-US" sz="1000" i="1" dirty="0" smtClean="0"/>
+              <a:t>://mesh.brown.edu/byo3d/notes.html</a:t>
+            </a:r>
+            <a:endParaRPr lang="en-US" sz="1000" i="1" dirty="0"/>
+          </a:p>
+        </p:txBody>
+      </p:sp>
+    </p:spTree>
+    <p:extLst>
+      <p:ext uri="{BB962C8B-B14F-4D97-AF65-F5344CB8AC3E}">
+        <p14:creationId xmlns:p14="http://schemas.microsoft.com/office/powerpoint/2010/main" val="3473180538"/>
+      </p:ext>
+    </p:extLst>
+  </p:cSld>
+  <p:clrMapOvr>
+    <a:masterClrMapping/>
+  </p:clrMapOvr>
+</p:sld>
+</file>
+
+<file path=ppt/slides/slide7.xml><?xml version="1.0" encoding="utf-8"?>
+<p:sld xmlns:a="http://schemas.openxmlformats.org/drawingml/2006/main" xmlns:r="http://schemas.openxmlformats.org/officeDocument/2006/relationships" xmlns:p="http://schemas.openxmlformats.org/presentationml/2006/main">
+  <p:cSld>
+    <p:spTree>
+      <p:nvGrpSpPr>
+        <p:cNvPr id="1" name=""/>
+        <p:cNvGrpSpPr/>
+        <p:nvPr/>
+      </p:nvGrpSpPr>
+      <p:grpSpPr>
+        <a:xfrm>
+          <a:off x="0" y="0"/>
+          <a:ext cx="0" cy="0"/>
+          <a:chOff x="0" y="0"/>
+          <a:chExt cx="0" cy="0"/>
+        </a:xfrm>
+      </p:grpSpPr>
+      <p:graphicFrame>
+        <p:nvGraphicFramePr>
+          <p:cNvPr id="9" name="Chart 8"/>
+          <p:cNvGraphicFramePr/>
+          <p:nvPr>
+            <p:extLst>
+              <p:ext uri="{D42A27DB-BD31-4B8C-83A1-F6EECF244321}">
+                <p14:modId xmlns:p14="http://schemas.microsoft.com/office/powerpoint/2010/main" val="2708659999"/>
+              </p:ext>
+            </p:extLst>
+          </p:nvPr>
+        </p:nvGraphicFramePr>
+        <p:xfrm>
+          <a:off x="4479666" y="1594553"/>
+          <a:ext cx="4207133" cy="4432683"/>
+        </p:xfrm>
+        <a:graphic>
+          <a:graphicData uri="http://schemas.openxmlformats.org/drawingml/2006/chart">
+            <c:chart xmlns:c="http://schemas.openxmlformats.org/drawingml/2006/chart" xmlns:r="http://schemas.openxmlformats.org/officeDocument/2006/relationships" r:id="rId2"/>
+          </a:graphicData>
+        </a:graphic>
+      </p:graphicFrame>
+      <p:sp>
+        <p:nvSpPr>
+          <p:cNvPr id="2" name="Title 1"/>
+          <p:cNvSpPr>
+            <a:spLocks noGrp="1"/>
+          </p:cNvSpPr>
+          <p:nvPr>
+            <p:ph type="title"/>
+          </p:nvPr>
+        </p:nvSpPr>
+        <p:spPr/>
+        <p:txBody>
+          <a:bodyPr/>
+          <a:lstStyle/>
+          <a:p>
+            <a:r>
+              <a:rPr lang="en-US" dirty="0" smtClean="0"/>
+              <a:t>Market</a:t>
+            </a:r>
+            <a:endParaRPr lang="en-US" dirty="0"/>
+          </a:p>
+        </p:txBody>
+      </p:sp>
+      <p:sp>
+        <p:nvSpPr>
+          <p:cNvPr id="3" name="Content Placeholder 2"/>
+          <p:cNvSpPr>
+            <a:spLocks noGrp="1"/>
+          </p:cNvSpPr>
+          <p:nvPr>
+            <p:ph idx="1"/>
+          </p:nvPr>
+        </p:nvSpPr>
+        <p:spPr>
+          <a:xfrm>
+            <a:off x="457200" y="1600200"/>
+            <a:ext cx="4119090" cy="4525963"/>
+          </a:xfrm>
+        </p:spPr>
+        <p:txBody>
+          <a:bodyPr>
+            <a:normAutofit fontScale="70000" lnSpcReduction="20000"/>
+          </a:bodyPr>
+          <a:lstStyle/>
+          <a:p>
+            <a:r>
+              <a:rPr lang="en-US" dirty="0" smtClean="0"/>
+              <a:t>Existing $350 million 3D scanning market targets large businesses – similar accuracy and lower price exposes a much larger market</a:t>
+            </a:r>
+          </a:p>
+          <a:p>
+            <a:r>
+              <a:rPr lang="en-US" dirty="0" smtClean="0"/>
+              <a:t>Potential users</a:t>
+            </a:r>
+          </a:p>
+          <a:p>
+            <a:pPr lvl="1"/>
+            <a:r>
+              <a:rPr lang="en-US" dirty="0" smtClean="0"/>
+              <a:t>Research labs</a:t>
+            </a:r>
+          </a:p>
+          <a:p>
+            <a:pPr lvl="1"/>
+            <a:r>
+              <a:rPr lang="en-US" dirty="0" smtClean="0"/>
+              <a:t>Hobbyist builders</a:t>
+            </a:r>
+          </a:p>
+          <a:p>
+            <a:pPr lvl="1"/>
+            <a:r>
+              <a:rPr lang="en-US" dirty="0" smtClean="0"/>
+              <a:t>Artists</a:t>
+            </a:r>
+          </a:p>
+          <a:p>
+            <a:pPr lvl="1"/>
+            <a:r>
+              <a:rPr lang="en-US" dirty="0" smtClean="0"/>
+              <a:t>Product Designers</a:t>
+            </a:r>
+          </a:p>
+          <a:p>
+            <a:pPr lvl="1"/>
+            <a:r>
+              <a:rPr lang="en-US" dirty="0" smtClean="0"/>
+              <a:t>Small manufactures</a:t>
+            </a:r>
+          </a:p>
+          <a:p>
+            <a:r>
+              <a:rPr lang="en-US" dirty="0" smtClean="0"/>
+              <a:t>Interest in and use of 3D printing is growing wildly.  3D scanning is the second half of this revolution</a:t>
+            </a:r>
+          </a:p>
+          <a:p>
+            <a:endParaRPr lang="en-US" dirty="0"/>
+          </a:p>
+        </p:txBody>
+      </p:sp>
+      <p:sp>
+        <p:nvSpPr>
+          <p:cNvPr id="4" name="Rectangle 3"/>
+          <p:cNvSpPr/>
+          <p:nvPr/>
+        </p:nvSpPr>
+        <p:spPr>
+          <a:xfrm>
+            <a:off x="4479667" y="3244334"/>
+            <a:ext cx="184666" cy="369332"/>
+          </a:xfrm>
+          <a:prstGeom prst="rect">
+            <a:avLst/>
+          </a:prstGeom>
+        </p:spPr>
+        <p:txBody>
+          <a:bodyPr wrap="none">
+            <a:spAutoFit/>
+          </a:bodyPr>
+          <a:lstStyle/>
+          <a:p>
+            <a:r>
+              <a:rPr lang="en-US" dirty="0" smtClean="0"/>
+              <a:t> </a:t>
+            </a:r>
+            <a:endParaRPr lang="en-US" dirty="0"/>
+          </a:p>
+        </p:txBody>
+      </p:sp>
+      <p:sp>
+        <p:nvSpPr>
+          <p:cNvPr id="5" name="Rectangle 4"/>
+          <p:cNvSpPr/>
+          <p:nvPr/>
+        </p:nvSpPr>
+        <p:spPr>
+          <a:xfrm>
+            <a:off x="4479667" y="3244334"/>
+            <a:ext cx="184666" cy="369332"/>
+          </a:xfrm>
+          <a:prstGeom prst="rect">
+            <a:avLst/>
+          </a:prstGeom>
+        </p:spPr>
+        <p:txBody>
+          <a:bodyPr wrap="none">
+            <a:spAutoFit/>
+          </a:bodyPr>
+          <a:lstStyle/>
+          <a:p>
+            <a:r>
+              <a:rPr lang="en-US" dirty="0" smtClean="0"/>
+              <a:t> </a:t>
+            </a:r>
+            <a:endParaRPr lang="en-US" dirty="0"/>
+          </a:p>
+        </p:txBody>
+      </p:sp>
+      <p:sp>
+        <p:nvSpPr>
+          <p:cNvPr id="7" name="TextBox 6"/>
+          <p:cNvSpPr txBox="1"/>
+          <p:nvPr/>
+        </p:nvSpPr>
+        <p:spPr>
+          <a:xfrm>
+            <a:off x="5002882" y="5266070"/>
+            <a:ext cx="3535185" cy="400110"/>
+          </a:xfrm>
+          <a:prstGeom prst="rect">
+            <a:avLst/>
+          </a:prstGeom>
+          <a:noFill/>
+        </p:spPr>
+        <p:txBody>
+          <a:bodyPr wrap="square" rtlCol="0">
+            <a:spAutoFit/>
+          </a:bodyPr>
+          <a:lstStyle/>
+          <a:p>
+            <a:r>
+              <a:rPr lang="en-US" sz="1000" i="1" dirty="0" smtClean="0"/>
+              <a:t>Data from Wohlers Report 2012: Additive Manufacturing and 3D Printing State of the Industry</a:t>
+            </a:r>
+            <a:endParaRPr lang="en-US" sz="1000" i="1" dirty="0"/>
+          </a:p>
+        </p:txBody>
+      </p:sp>
+    </p:spTree>
+  </p:cSld>
+  <p:clrMapOvr>
+    <a:masterClrMapping/>
+  </p:clrMapOvr>
+  <p:timing>
+    <p:tnLst>
+      <p:par>
+        <p:cTn xmlns:p14="http://schemas.microsoft.com/office/powerpoint/2010/main" id="1" dur="indefinite" restart="never" nodeType="tmRoot"/>
+      </p:par>
+    </p:tnLst>
+  </p:timing>
+</p:sld>
+</file>
+
+<file path=ppt/slides/slide8.xml><?xml version="1.0" encoding="utf-8"?>
+<p:sld xmlns:a="http://schemas.openxmlformats.org/drawingml/2006/main" xmlns:r="http://schemas.openxmlformats.org/officeDocument/2006/relationships" xmlns:p="http://schemas.openxmlformats.org/presentationml/2006/main">
+  <p:cSld>
+    <p:spTree>
+      <p:nvGrpSpPr>
+        <p:cNvPr id="1" name=""/>
+        <p:cNvGrpSpPr/>
+        <p:nvPr/>
+      </p:nvGrpSpPr>
+      <p:grpSpPr>
+        <a:xfrm>
+          <a:off x="0" y="0"/>
+          <a:ext cx="0" cy="0"/>
+          <a:chOff x="0" y="0"/>
+          <a:chExt cx="0" cy="0"/>
+        </a:xfrm>
+      </p:grpSpPr>
+      <p:sp>
+        <p:nvSpPr>
+          <p:cNvPr id="2" name="Title 1"/>
+          <p:cNvSpPr>
+            <a:spLocks noGrp="1"/>
+          </p:cNvSpPr>
+          <p:nvPr>
+            <p:ph type="title"/>
+          </p:nvPr>
+        </p:nvSpPr>
+        <p:spPr/>
+        <p:txBody>
+          <a:bodyPr/>
+          <a:lstStyle/>
+          <a:p>
+            <a:r>
+              <a:rPr lang="en-US" dirty="0" smtClean="0"/>
+              <a:t>Structured Light Scanning</a:t>
+            </a:r>
+            <a:endParaRPr lang="en-US" dirty="0"/>
+          </a:p>
+        </p:txBody>
+      </p:sp>
+      <p:sp>
+        <p:nvSpPr>
+          <p:cNvPr id="3" name="Content Placeholder 2"/>
+          <p:cNvSpPr>
+            <a:spLocks noGrp="1"/>
+          </p:cNvSpPr>
+          <p:nvPr>
+            <p:ph idx="1"/>
+          </p:nvPr>
+        </p:nvSpPr>
+        <p:spPr/>
+        <p:txBody>
+          <a:bodyPr>
+            <a:normAutofit/>
+          </a:bodyPr>
+          <a:lstStyle/>
+          <a:p>
+            <a:pPr marL="514350" indent="-514350">
+              <a:buFont typeface="+mj-lt"/>
+              <a:buAutoNum type="arabicPeriod"/>
+            </a:pPr>
+            <a:r>
+              <a:rPr lang="en-US" sz="2800" dirty="0" smtClean="0"/>
+              <a:t>Known light pattern is projected onto scene</a:t>
+            </a:r>
+          </a:p>
+          <a:p>
+            <a:pPr marL="514350" indent="-514350">
+              <a:buFont typeface="+mj-lt"/>
+              <a:buAutoNum type="arabicPeriod"/>
+            </a:pPr>
+            <a:r>
+              <a:rPr lang="en-US" sz="2800" dirty="0" smtClean="0"/>
+              <a:t>Scene is imaged using one or more cameras</a:t>
+            </a:r>
+          </a:p>
+          <a:p>
+            <a:pPr marL="514350" indent="-514350">
+              <a:buFont typeface="+mj-lt"/>
+              <a:buAutoNum type="arabicPeriod"/>
+            </a:pPr>
+            <a:r>
+              <a:rPr lang="en-US" sz="2800" dirty="0" smtClean="0"/>
+              <a:t>Point cloud calculated by triangulation</a:t>
+            </a:r>
+          </a:p>
+        </p:txBody>
+      </p:sp>
+      <p:pic>
+        <p:nvPicPr>
+          <p:cNvPr id="4" name="Picture 3" descr="Screen Shot 2013-03-04 at 10.39.05 PM.png"/>
+          <p:cNvPicPr>
+            <a:picLocks noChangeAspect="1"/>
+          </p:cNvPicPr>
+          <p:nvPr/>
+        </p:nvPicPr>
+        <p:blipFill>
+          <a:blip r:embed="rId2"/>
+          <a:stretch>
+            <a:fillRect/>
+          </a:stretch>
+        </p:blipFill>
+        <p:spPr>
+          <a:xfrm>
+            <a:off x="502555" y="3628563"/>
+            <a:ext cx="3697514" cy="2458938"/>
+          </a:xfrm>
+          <a:prstGeom prst="rect">
+            <a:avLst/>
+          </a:prstGeom>
+          <a:solidFill>
+            <a:srgbClr val="FFFFFF">
+              <a:shade val="85000"/>
+            </a:srgbClr>
+          </a:solidFill>
+          <a:ln w="88900" cap="sq">
+            <a:solidFill>
+              <a:srgbClr val="FFFFFF"/>
+            </a:solidFill>
+            <a:miter lim="800000"/>
+          </a:ln>
+          <a:effectLst>
+            <a:outerShdw blurRad="55000" dist="18000" dir="5400000" algn="tl" rotWithShape="0">
+              <a:srgbClr val="000000">
+                <a:alpha val="40000"/>
+              </a:srgbClr>
+            </a:outerShdw>
+          </a:effectLst>
+          <a:scene3d>
+            <a:camera prst="orthographicFront"/>
+            <a:lightRig rig="twoPt" dir="t">
+              <a:rot lat="0" lon="0" rev="7200000"/>
+            </a:lightRig>
+          </a:scene3d>
+          <a:sp3d>
+            <a:bevelT w="25400" h="19050"/>
+            <a:contourClr>
+              <a:srgbClr val="FFFFFF"/>
+            </a:contourClr>
+          </a:sp3d>
+        </p:spPr>
+      </p:pic>
+      <p:pic>
+        <p:nvPicPr>
+          <p:cNvPr id="6" name="Picture 5" descr="Screen Shot 2013-03-04 at 10.40.15 PM.png"/>
+          <p:cNvPicPr>
+            <a:picLocks noChangeAspect="1"/>
+          </p:cNvPicPr>
+          <p:nvPr/>
+        </p:nvPicPr>
+        <p:blipFill>
+          <a:blip r:embed="rId3"/>
+          <a:stretch>
+            <a:fillRect/>
+          </a:stretch>
+        </p:blipFill>
+        <p:spPr>
+          <a:xfrm>
+            <a:off x="4765018" y="3628563"/>
+            <a:ext cx="3885498" cy="2458938"/>
+          </a:xfrm>
+          <a:prstGeom prst="rect">
+            <a:avLst/>
+          </a:prstGeom>
+          <a:solidFill>
+            <a:srgbClr val="FFFFFF">
+              <a:shade val="85000"/>
+            </a:srgbClr>
+          </a:solidFill>
+          <a:ln w="88900" cap="sq">
+            <a:solidFill>
+              <a:srgbClr val="FFFFFF"/>
+            </a:solidFill>
+            <a:miter lim="800000"/>
+          </a:ln>
+          <a:effectLst>
+            <a:outerShdw blurRad="55000" dist="18000" dir="5400000" algn="tl" rotWithShape="0">
+              <a:srgbClr val="000000">
+                <a:alpha val="40000"/>
+              </a:srgbClr>
+            </a:outerShdw>
+          </a:effectLst>
+          <a:scene3d>
+            <a:camera prst="orthographicFront"/>
+            <a:lightRig rig="twoPt" dir="t">
+              <a:rot lat="0" lon="0" rev="7200000"/>
+            </a:lightRig>
+          </a:scene3d>
+          <a:sp3d>
+            <a:bevelT w="25400" h="19050"/>
+            <a:contourClr>
+              <a:srgbClr val="FFFFFF"/>
+            </a:contourClr>
+          </a:sp3d>
+        </p:spPr>
+      </p:pic>
+      <p:sp>
+        <p:nvSpPr>
+          <p:cNvPr id="7" name="Rectangle 6"/>
+          <p:cNvSpPr/>
+          <p:nvPr/>
+        </p:nvSpPr>
+        <p:spPr>
+          <a:xfrm>
+            <a:off x="457200" y="6268357"/>
+            <a:ext cx="8229600" cy="400110"/>
+          </a:xfrm>
+          <a:prstGeom prst="rect">
+            <a:avLst/>
+          </a:prstGeom>
+        </p:spPr>
+        <p:txBody>
+          <a:bodyPr wrap="square">
+            <a:spAutoFit/>
+          </a:bodyPr>
+          <a:lstStyle/>
+          <a:p>
+            <a:pPr algn="ctr"/>
+            <a:r>
+              <a:rPr lang="en-US" sz="1000" i="1" dirty="0" smtClean="0"/>
+              <a:t>Images from Douglas </a:t>
+            </a:r>
+            <a:r>
+              <a:rPr lang="en-US" sz="1000" i="1" dirty="0" err="1" smtClean="0"/>
+              <a:t>Lanman</a:t>
+            </a:r>
+            <a:r>
+              <a:rPr lang="en-US" sz="1000" i="1" dirty="0" smtClean="0"/>
+              <a:t> and Gabriel </a:t>
+            </a:r>
+            <a:r>
+              <a:rPr lang="en-US" sz="1000" i="1" dirty="0" err="1" smtClean="0"/>
+              <a:t>Taubin's</a:t>
+            </a:r>
+            <a:r>
+              <a:rPr lang="en-US" sz="1000" i="1" dirty="0" smtClean="0"/>
+              <a:t> SIGGRAPH 2009 Course Notes accessed on 3/4/2013 at</a:t>
+            </a:r>
+          </a:p>
+          <a:p>
+            <a:pPr algn="ctr"/>
+            <a:r>
+              <a:rPr lang="en-US" sz="1000" i="1" dirty="0" smtClean="0"/>
+              <a:t>http://mesh.brown.edu/byo3d/notes.html</a:t>
+            </a:r>
+            <a:endParaRPr lang="en-US" sz="1000" i="1" dirty="0"/>
+          </a:p>
+        </p:txBody>
+      </p:sp>
+    </p:spTree>
+  </p:cSld>
+  <p:clrMapOvr>
+    <a:masterClrMapping/>
+  </p:clrMapOvr>
+  <p:timing>
+    <p:tnLst>
+      <p:par>
+        <p:cTn xmlns:p14="http://schemas.microsoft.com/office/powerpoint/2010/main" id="1" dur="indefinite" restart="never" nodeType="tmRoot"/>
+      </p:par>
+    </p:tnLst>
+  </p:timing>
+</p:sld>
+</file>
+
 <file path=ppt/slides/slide9.xml><?xml version="1.0" encoding="utf-8"?>
 <p:sld xmlns:a="http://schemas.openxmlformats.org/drawingml/2006/main" xmlns:r="http://schemas.openxmlformats.org/officeDocument/2006/relationships" xmlns:p="http://schemas.openxmlformats.org/presentationml/2006/main">
   <p:cSld>
@@ -5077,7 +5383,7 @@
           <a:p>
             <a:r>
               <a:rPr lang="en-US" dirty="0" smtClean="0"/>
-              <a:t>Our Current State</a:t>
+              <a:t>Product Goals</a:t>
             </a:r>
             <a:endParaRPr lang="en-US" dirty="0"/>
           </a:p>
@@ -5093,62 +5399,91 @@
             <p:ph idx="1"/>
           </p:nvPr>
         </p:nvSpPr>
-        <p:spPr>
-          <a:xfrm>
-            <a:off x="457200" y="1600200"/>
-            <a:ext cx="7879976" cy="4525963"/>
-          </a:xfrm>
-        </p:spPr>
+        <p:spPr/>
         <p:txBody>
           <a:bodyPr>
-            <a:normAutofit fontScale="92500"/>
+            <a:normAutofit/>
           </a:bodyPr>
           <a:lstStyle/>
           <a:p>
             <a:r>
+              <a:rPr lang="en-US" b="1" dirty="0" smtClean="0"/>
+              <a:t>Accurate</a:t>
+            </a:r>
+          </a:p>
+          <a:p>
+            <a:pPr lvl="1"/>
+            <a:r>
+              <a:rPr lang="en-US" sz="2065" dirty="0" smtClean="0"/>
+              <a:t>0.025 mm accuracy</a:t>
+            </a:r>
+          </a:p>
+          <a:p>
+            <a:pPr lvl="1"/>
+            <a:r>
+              <a:rPr lang="en-US" sz="2065" dirty="0" smtClean="0"/>
+              <a:t>This level of precision comparable to or better than most manufacturing processes</a:t>
+            </a:r>
+          </a:p>
+          <a:p>
+            <a:r>
+              <a:rPr lang="en-US" b="1" dirty="0" smtClean="0"/>
+              <a:t>Low-cost –</a:t>
+            </a:r>
+            <a:r>
               <a:rPr lang="en-US" dirty="0" smtClean="0"/>
-              <a:t>Can successfully complete a scan using a DLP Projector </a:t>
-            </a:r>
-          </a:p>
-          <a:p>
+              <a:t> </a:t>
+            </a:r>
+            <a:r>
+              <a:rPr lang="en-US" sz="2118" dirty="0" smtClean="0"/>
+              <a:t>less than $500</a:t>
+            </a:r>
+          </a:p>
+          <a:p>
+            <a:r>
+              <a:rPr lang="en-US" b="1" dirty="0" smtClean="0"/>
+              <a:t>Usable</a:t>
+            </a:r>
+          </a:p>
+          <a:p>
+            <a:pPr lvl="1"/>
+            <a:r>
+              <a:rPr lang="en-US" sz="2118" dirty="0"/>
+              <a:t>I</a:t>
+            </a:r>
+            <a:r>
+              <a:rPr lang="en-US" sz="2118" dirty="0" smtClean="0"/>
+              <a:t>ntuitive website and software UI</a:t>
+            </a:r>
+          </a:p>
+          <a:p>
+            <a:pPr lvl="1"/>
+            <a:r>
+              <a:rPr lang="en-US" sz="2118" dirty="0"/>
+              <a:t>C</a:t>
+            </a:r>
+            <a:r>
+              <a:rPr lang="en-US" sz="2118" dirty="0" smtClean="0"/>
+              <a:t>omputer-controlled calibration</a:t>
+            </a:r>
+          </a:p>
+          <a:p>
+            <a:r>
+              <a:rPr lang="en-US" sz="3176" b="1" dirty="0" smtClean="0"/>
+              <a:t>Co</a:t>
+            </a:r>
+            <a:r>
+              <a:rPr lang="en-US" b="1" dirty="0" smtClean="0"/>
+              <a:t>mpact –</a:t>
+            </a:r>
             <a:r>
               <a:rPr lang="en-US" dirty="0" smtClean="0"/>
-              <a:t>Confident an array of cheap pinhole CMOS cameras can provide desired cost and accuracy</a:t>
-            </a:r>
-          </a:p>
-          <a:p>
-            <a:r>
-              <a:rPr lang="en-US" dirty="0" smtClean="0"/>
-              <a:t>DLP Projector is cost driver – low-cost alternatives to DLP Projection include:</a:t>
-            </a:r>
-          </a:p>
-          <a:p>
-            <a:pPr lvl="1"/>
-            <a:r>
-              <a:rPr lang="en-US" dirty="0" smtClean="0"/>
-              <a:t>Fixed </a:t>
-            </a:r>
-            <a:r>
-              <a:rPr lang="en-US" dirty="0" smtClean="0"/>
-              <a:t>and moving gratings over </a:t>
-            </a:r>
-            <a:r>
-              <a:rPr lang="en-US" dirty="0" smtClean="0"/>
-              <a:t>LEDs (Talbot imaging)</a:t>
-            </a:r>
-            <a:endParaRPr lang="en-US" dirty="0" smtClean="0"/>
-          </a:p>
-          <a:p>
-            <a:pPr lvl="1"/>
-            <a:r>
-              <a:rPr lang="en-US" dirty="0" smtClean="0"/>
-              <a:t>Optical interference fringes</a:t>
-            </a:r>
-            <a:endParaRPr lang="en-US" dirty="0" smtClean="0"/>
-          </a:p>
-          <a:p>
-            <a:pPr lvl="1"/>
-            <a:endParaRPr lang="en-US" dirty="0"/>
+              <a:t> </a:t>
+            </a:r>
+            <a:r>
+              <a:rPr lang="en-US" sz="2118" dirty="0" smtClean="0"/>
+              <a:t>fits on top of a desk</a:t>
+            </a:r>
           </a:p>
         </p:txBody>
       </p:sp>
@@ -5157,6 +5492,13 @@
   <p:clrMapOvr>
     <a:masterClrMapping/>
   </p:clrMapOvr>
+  <p:timing>
+    <p:tnLst>
+      <p:par>
+        <p:cTn xmlns:p14="http://schemas.microsoft.com/office/powerpoint/2010/main" id="1" dur="indefinite" restart="never" nodeType="tmRoot"/>
+      </p:par>
+    </p:tnLst>
+  </p:timing>
 </p:sld>
 </file>
 
